--- a/Wind Energy Conversion Systems/WECS.pptx
+++ b/Wind Energy Conversion Systems/WECS.pptx
@@ -5,7 +5,7 @@
     <p:sldMasterId id="2147483648" r:id="rId1"/>
   </p:sldMasterIdLst>
   <p:notesMasterIdLst>
-    <p:notesMasterId r:id="rId15"/>
+    <p:notesMasterId r:id="rId14"/>
   </p:notesMasterIdLst>
   <p:sldIdLst>
     <p:sldId id="256" r:id="rId2"/>
@@ -14,13 +14,12 @@
     <p:sldId id="258" r:id="rId5"/>
     <p:sldId id="259" r:id="rId6"/>
     <p:sldId id="268" r:id="rId7"/>
-    <p:sldId id="267" r:id="rId8"/>
-    <p:sldId id="260" r:id="rId9"/>
-    <p:sldId id="261" r:id="rId10"/>
-    <p:sldId id="265" r:id="rId11"/>
-    <p:sldId id="262" r:id="rId12"/>
-    <p:sldId id="264" r:id="rId13"/>
-    <p:sldId id="263" r:id="rId14"/>
+    <p:sldId id="260" r:id="rId8"/>
+    <p:sldId id="261" r:id="rId9"/>
+    <p:sldId id="265" r:id="rId10"/>
+    <p:sldId id="262" r:id="rId11"/>
+    <p:sldId id="264" r:id="rId12"/>
+    <p:sldId id="267" r:id="rId13"/>
   </p:sldIdLst>
   <p:sldSz cx="12192000" cy="6858000"/>
   <p:notesSz cx="6858000" cy="9144000"/>
@@ -119,6 +118,11 @@
       </a:defRPr>
     </a:lvl9pPr>
   </p:defaultTextStyle>
+  <p:extLst>
+    <p:ext uri="{EFAFB233-063F-42B5-8137-9DF3F51BA10A}">
+      <p15:sldGuideLst xmlns:p15="http://schemas.microsoft.com/office/powerpoint/2012/main"/>
+    </p:ext>
+  </p:extLst>
 </p:presentation>
 </file>
 
@@ -204,7 +208,7 @@
           <a:p>
             <a:fld id="{DAC47E2E-88AB-4150-A5F1-099A16181900}" type="datetimeFigureOut">
               <a:rPr lang="en-US" smtClean="0"/>
-              <a:t>23-Feb-19</a:t>
+              <a:t>26-Feb-19</a:t>
             </a:fld>
             <a:endParaRPr lang="en-US"/>
           </a:p>
@@ -687,7 +691,7 @@
           <a:p>
             <a:fld id="{3EAAC474-8B68-4C50-A58A-921854227403}" type="datetimeFigureOut">
               <a:rPr lang="en-US" smtClean="0"/>
-              <a:t>23-Feb-19</a:t>
+              <a:t>26-Feb-19</a:t>
             </a:fld>
             <a:endParaRPr lang="en-US"/>
           </a:p>
@@ -857,7 +861,7 @@
           <a:p>
             <a:fld id="{3EAAC474-8B68-4C50-A58A-921854227403}" type="datetimeFigureOut">
               <a:rPr lang="en-US" smtClean="0"/>
-              <a:t>23-Feb-19</a:t>
+              <a:t>26-Feb-19</a:t>
             </a:fld>
             <a:endParaRPr lang="en-US"/>
           </a:p>
@@ -1037,7 +1041,7 @@
           <a:p>
             <a:fld id="{3EAAC474-8B68-4C50-A58A-921854227403}" type="datetimeFigureOut">
               <a:rPr lang="en-US" smtClean="0"/>
-              <a:t>23-Feb-19</a:t>
+              <a:t>26-Feb-19</a:t>
             </a:fld>
             <a:endParaRPr lang="en-US"/>
           </a:p>
@@ -1207,7 +1211,7 @@
           <a:p>
             <a:fld id="{3EAAC474-8B68-4C50-A58A-921854227403}" type="datetimeFigureOut">
               <a:rPr lang="en-US" smtClean="0"/>
-              <a:t>23-Feb-19</a:t>
+              <a:t>26-Feb-19</a:t>
             </a:fld>
             <a:endParaRPr lang="en-US"/>
           </a:p>
@@ -1453,7 +1457,7 @@
           <a:p>
             <a:fld id="{3EAAC474-8B68-4C50-A58A-921854227403}" type="datetimeFigureOut">
               <a:rPr lang="en-US" smtClean="0"/>
-              <a:t>23-Feb-19</a:t>
+              <a:t>26-Feb-19</a:t>
             </a:fld>
             <a:endParaRPr lang="en-US"/>
           </a:p>
@@ -1685,7 +1689,7 @@
           <a:p>
             <a:fld id="{3EAAC474-8B68-4C50-A58A-921854227403}" type="datetimeFigureOut">
               <a:rPr lang="en-US" smtClean="0"/>
-              <a:t>23-Feb-19</a:t>
+              <a:t>26-Feb-19</a:t>
             </a:fld>
             <a:endParaRPr lang="en-US"/>
           </a:p>
@@ -2052,7 +2056,7 @@
           <a:p>
             <a:fld id="{3EAAC474-8B68-4C50-A58A-921854227403}" type="datetimeFigureOut">
               <a:rPr lang="en-US" smtClean="0"/>
-              <a:t>23-Feb-19</a:t>
+              <a:t>26-Feb-19</a:t>
             </a:fld>
             <a:endParaRPr lang="en-US"/>
           </a:p>
@@ -2170,7 +2174,7 @@
           <a:p>
             <a:fld id="{3EAAC474-8B68-4C50-A58A-921854227403}" type="datetimeFigureOut">
               <a:rPr lang="en-US" smtClean="0"/>
-              <a:t>23-Feb-19</a:t>
+              <a:t>26-Feb-19</a:t>
             </a:fld>
             <a:endParaRPr lang="en-US"/>
           </a:p>
@@ -2265,7 +2269,7 @@
           <a:p>
             <a:fld id="{3EAAC474-8B68-4C50-A58A-921854227403}" type="datetimeFigureOut">
               <a:rPr lang="en-US" smtClean="0"/>
-              <a:t>23-Feb-19</a:t>
+              <a:t>26-Feb-19</a:t>
             </a:fld>
             <a:endParaRPr lang="en-US"/>
           </a:p>
@@ -2542,7 +2546,7 @@
           <a:p>
             <a:fld id="{3EAAC474-8B68-4C50-A58A-921854227403}" type="datetimeFigureOut">
               <a:rPr lang="en-US" smtClean="0"/>
-              <a:t>23-Feb-19</a:t>
+              <a:t>26-Feb-19</a:t>
             </a:fld>
             <a:endParaRPr lang="en-US"/>
           </a:p>
@@ -2795,7 +2799,7 @@
           <a:p>
             <a:fld id="{3EAAC474-8B68-4C50-A58A-921854227403}" type="datetimeFigureOut">
               <a:rPr lang="en-US" smtClean="0"/>
-              <a:t>23-Feb-19</a:t>
+              <a:t>26-Feb-19</a:t>
             </a:fld>
             <a:endParaRPr lang="en-US"/>
           </a:p>
@@ -3008,7 +3012,7 @@
           <a:p>
             <a:fld id="{3EAAC474-8B68-4C50-A58A-921854227403}" type="datetimeFigureOut">
               <a:rPr lang="en-US" smtClean="0"/>
-              <a:t>23-Feb-19</a:t>
+              <a:t>26-Feb-19</a:t>
             </a:fld>
             <a:endParaRPr lang="en-US"/>
           </a:p>
@@ -3515,7 +3519,7 @@
         <p:spPr>
           <a:xfrm>
             <a:off x="838200" y="365125"/>
-            <a:ext cx="4562475" cy="1325563"/>
+            <a:ext cx="9871364" cy="1325563"/>
           </a:xfrm>
         </p:spPr>
         <p:txBody>
@@ -3524,7 +3528,7 @@
           <a:p>
             <a:r>
               <a:rPr lang="en-US" dirty="0" smtClean="0"/>
-              <a:t>Power Generation System</a:t>
+              <a:t>Wind Turbine Generators in Hybrid Power Systems</a:t>
             </a:r>
             <a:endParaRPr lang="en-US" dirty="0"/>
           </a:p>
@@ -3542,12 +3546,14 @@
         </p:nvSpPr>
         <p:spPr>
           <a:xfrm>
-            <a:off x="838200" y="1825625"/>
-            <a:ext cx="4667250" cy="4351338"/>
+            <a:off x="838201" y="1825625"/>
+            <a:ext cx="4800600" cy="4351338"/>
           </a:xfrm>
         </p:spPr>
         <p:txBody>
-          <a:bodyPr/>
+          <a:bodyPr>
+            <a:normAutofit lnSpcReduction="10000"/>
+          </a:bodyPr>
           <a:lstStyle/>
           <a:p>
             <a:pPr marL="0" indent="0">
@@ -3555,7 +3561,7 @@
             </a:pPr>
             <a:r>
               <a:rPr lang="en-US" dirty="0" smtClean="0"/>
-              <a:t>Variable-speed WECS:</a:t>
+              <a:t>AC-coupled hybrid generation system:</a:t>
             </a:r>
           </a:p>
           <a:p>
@@ -3565,7 +3571,7 @@
             </a:pPr>
             <a:r>
               <a:rPr lang="en-US" dirty="0" smtClean="0"/>
-              <a:t>General structure of an improved variable-speed WECS </a:t>
+              <a:t>Generators (Wind Turbine Generator, Diesel Power Plant)</a:t>
             </a:r>
           </a:p>
           <a:p>
@@ -3575,7 +3581,37 @@
             </a:pPr>
             <a:r>
               <a:rPr lang="en-US" dirty="0" smtClean="0"/>
-              <a:t>General structure of a full variable-speed WECS</a:t>
+              <a:t>AC Bus</a:t>
+            </a:r>
+          </a:p>
+          <a:p>
+            <a:pPr marL="514350" indent="-514350">
+              <a:buFont typeface="+mj-lt"/>
+              <a:buAutoNum type="arabicPeriod"/>
+            </a:pPr>
+            <a:r>
+              <a:rPr lang="en-US" dirty="0" smtClean="0"/>
+              <a:t>Energy Storage (Accumulator, Flywheel)</a:t>
+            </a:r>
+          </a:p>
+          <a:p>
+            <a:pPr marL="514350" indent="-514350">
+              <a:buFont typeface="+mj-lt"/>
+              <a:buAutoNum type="arabicPeriod"/>
+            </a:pPr>
+            <a:r>
+              <a:rPr lang="en-US" dirty="0" smtClean="0"/>
+              <a:t>Loads</a:t>
+            </a:r>
+          </a:p>
+          <a:p>
+            <a:pPr marL="514350" indent="-514350">
+              <a:buFont typeface="+mj-lt"/>
+              <a:buAutoNum type="arabicPeriod"/>
+            </a:pPr>
+            <a:r>
+              <a:rPr lang="en-US" dirty="0" smtClean="0"/>
+              <a:t>Control System</a:t>
             </a:r>
             <a:endParaRPr lang="en-US" dirty="0"/>
           </a:p>
@@ -3597,42 +3633,23 @@
         </p:blipFill>
         <p:spPr>
           <a:xfrm>
-            <a:off x="5505450" y="517525"/>
-            <a:ext cx="6581775" cy="3257550"/>
+            <a:off x="5773882" y="1027906"/>
+            <a:ext cx="6315075" cy="5591175"/>
           </a:xfrm>
           <a:prstGeom prst="rect">
             <a:avLst/>
           </a:prstGeom>
-        </p:spPr>
-      </p:pic>
-      <p:pic>
-        <p:nvPicPr>
-          <p:cNvPr id="5" name="Picture 4"/>
-          <p:cNvPicPr>
-            <a:picLocks noChangeAspect="1"/>
-          </p:cNvPicPr>
-          <p:nvPr/>
-        </p:nvPicPr>
-        <p:blipFill>
-          <a:blip r:embed="rId3"/>
-          <a:stretch>
-            <a:fillRect/>
-          </a:stretch>
-        </p:blipFill>
-        <p:spPr>
-          <a:xfrm>
-            <a:off x="5505450" y="3619139"/>
-            <a:ext cx="6686550" cy="3095625"/>
-          </a:xfrm>
-          <a:prstGeom prst="rect">
-            <a:avLst/>
-          </a:prstGeom>
+          <a:ln>
+            <a:solidFill>
+              <a:schemeClr val="tx1"/>
+            </a:solidFill>
+          </a:ln>
         </p:spPr>
       </p:pic>
     </p:spTree>
     <p:extLst>
       <p:ext uri="{BB962C8B-B14F-4D97-AF65-F5344CB8AC3E}">
-        <p14:creationId xmlns:p14="http://schemas.microsoft.com/office/powerpoint/2010/main" val="1497493673"/>
+        <p14:creationId xmlns:p14="http://schemas.microsoft.com/office/powerpoint/2010/main" val="770639808"/>
       </p:ext>
     </p:extLst>
   </p:cSld>
@@ -3702,12 +3719,12 @@
         <p:spPr>
           <a:xfrm>
             <a:off x="838200" y="1825625"/>
-            <a:ext cx="5038725" cy="4351338"/>
+            <a:ext cx="4923559" cy="4351338"/>
           </a:xfrm>
         </p:spPr>
         <p:txBody>
           <a:bodyPr>
-            <a:normAutofit lnSpcReduction="10000"/>
+            <a:normAutofit fontScale="92500" lnSpcReduction="10000"/>
           </a:bodyPr>
           <a:lstStyle/>
           <a:p>
@@ -3716,7 +3733,7 @@
             </a:pPr>
             <a:r>
               <a:rPr lang="en-US" dirty="0" smtClean="0"/>
-              <a:t>AC-coupled hybrid generation system:</a:t>
+              <a:t>DC-coupled hybrid generation system:</a:t>
             </a:r>
           </a:p>
           <a:p>
@@ -3726,7 +3743,7 @@
             </a:pPr>
             <a:r>
               <a:rPr lang="en-US" dirty="0" smtClean="0"/>
-              <a:t>Generators (Wind Turbine Generator, Diesel Power Plant)</a:t>
+              <a:t>Generators (Wind Turbine Generator, Diesel Power Plant, Photovoltaic Cells)</a:t>
             </a:r>
           </a:p>
           <a:p>
@@ -3735,8 +3752,12 @@
               <a:buAutoNum type="arabicPeriod"/>
             </a:pPr>
             <a:r>
+              <a:rPr lang="en-US" dirty="0"/>
+              <a:t>D</a:t>
+            </a:r>
+            <a:r>
               <a:rPr lang="en-US" dirty="0" smtClean="0"/>
-              <a:t>AC Bus</a:t>
+              <a:t>C Bus</a:t>
             </a:r>
           </a:p>
           <a:p>
@@ -3746,7 +3767,7 @@
             </a:pPr>
             <a:r>
               <a:rPr lang="en-US" dirty="0" smtClean="0"/>
-              <a:t>Energy Storage (Accumulator, Flywheel)</a:t>
+              <a:t>AC Filter</a:t>
             </a:r>
           </a:p>
           <a:p>
@@ -3756,7 +3777,7 @@
             </a:pPr>
             <a:r>
               <a:rPr lang="en-US" dirty="0" smtClean="0"/>
-              <a:t>Loads</a:t>
+              <a:t>Energy Storage (Accumulator)</a:t>
             </a:r>
           </a:p>
           <a:p>
@@ -3766,9 +3787,18 @@
             </a:pPr>
             <a:r>
               <a:rPr lang="en-US" dirty="0" smtClean="0"/>
+              <a:t>Loads</a:t>
+            </a:r>
+          </a:p>
+          <a:p>
+            <a:pPr marL="514350" indent="-514350">
+              <a:buFont typeface="+mj-lt"/>
+              <a:buAutoNum type="arabicPeriod"/>
+            </a:pPr>
+            <a:r>
+              <a:rPr lang="en-US" dirty="0" smtClean="0"/>
               <a:t>Control System</a:t>
             </a:r>
-            <a:endParaRPr lang="en-US" dirty="0"/>
           </a:p>
         </p:txBody>
       </p:sp>
@@ -3788,18 +3818,23 @@
         </p:blipFill>
         <p:spPr>
           <a:xfrm>
-            <a:off x="5876925" y="1266825"/>
-            <a:ext cx="6315075" cy="5591175"/>
+            <a:off x="5761759" y="1027906"/>
+            <a:ext cx="6210300" cy="5581650"/>
           </a:xfrm>
           <a:prstGeom prst="rect">
             <a:avLst/>
           </a:prstGeom>
+          <a:ln>
+            <a:solidFill>
+              <a:schemeClr val="tx1"/>
+            </a:solidFill>
+          </a:ln>
         </p:spPr>
       </p:pic>
     </p:spTree>
     <p:extLst>
       <p:ext uri="{BB962C8B-B14F-4D97-AF65-F5344CB8AC3E}">
-        <p14:creationId xmlns:p14="http://schemas.microsoft.com/office/powerpoint/2010/main" val="770639808"/>
+        <p14:creationId xmlns:p14="http://schemas.microsoft.com/office/powerpoint/2010/main" val="420495290"/>
       </p:ext>
     </p:extLst>
   </p:cSld>
@@ -3849,8 +3884,8 @@
           <a:lstStyle/>
           <a:p>
             <a:r>
-              <a:rPr lang="en-US" dirty="0" smtClean="0"/>
-              <a:t>Wind Turbine Generators in Hybrid Power Systems</a:t>
+              <a:rPr lang="en-US" dirty="0"/>
+              <a:t>Control Objectives </a:t>
             </a:r>
             <a:endParaRPr lang="en-US" dirty="0"/>
           </a:p>
@@ -3868,24 +3903,13 @@
         </p:nvSpPr>
         <p:spPr>
           <a:xfrm>
-            <a:off x="838200" y="1825625"/>
-            <a:ext cx="4923559" cy="4351338"/>
+            <a:off x="838201" y="1825625"/>
+            <a:ext cx="4721210" cy="4351338"/>
           </a:xfrm>
         </p:spPr>
         <p:txBody>
-          <a:bodyPr>
-            <a:normAutofit fontScale="92500" lnSpcReduction="10000"/>
-          </a:bodyPr>
+          <a:bodyPr/>
           <a:lstStyle/>
-          <a:p>
-            <a:pPr marL="0" indent="0">
-              <a:buNone/>
-            </a:pPr>
-            <a:r>
-              <a:rPr lang="en-US" dirty="0" smtClean="0"/>
-              <a:t>DC-coupled hybrid generation system:</a:t>
-            </a:r>
-          </a:p>
           <a:p>
             <a:pPr marL="514350" indent="-514350">
               <a:buFont typeface="+mj-lt"/>
@@ -3893,7 +3917,23 @@
             </a:pPr>
             <a:r>
               <a:rPr lang="en-US" dirty="0" smtClean="0"/>
-              <a:t>Generators (Wind Turbine Generator, Diesel Power Plant, Photovoltaic Cells)</a:t>
+              <a:t>Aerodynamic </a:t>
+            </a:r>
+            <a:r>
+              <a:rPr lang="en-US" dirty="0"/>
+              <a:t>power </a:t>
+            </a:r>
+            <a:r>
+              <a:rPr lang="en-US" dirty="0" smtClean="0"/>
+              <a:t>control </a:t>
+            </a:r>
+            <a:r>
+              <a:rPr lang="en-US" dirty="0"/>
+              <a:t>through pitch </a:t>
+            </a:r>
+            <a:r>
+              <a:rPr lang="en-US" dirty="0" smtClean="0"/>
+              <a:t>control </a:t>
             </a:r>
           </a:p>
           <a:p>
@@ -3902,12 +3942,16 @@
               <a:buAutoNum type="arabicPeriod"/>
             </a:pPr>
             <a:r>
+              <a:rPr lang="en-US" dirty="0" smtClean="0"/>
+              <a:t>Variable-speed </a:t>
+            </a:r>
+            <a:r>
               <a:rPr lang="en-US" dirty="0"/>
-              <a:t>D</a:t>
+              <a:t>operation and energy capture maximization, by means of generator </a:t>
             </a:r>
             <a:r>
               <a:rPr lang="en-US" dirty="0" smtClean="0"/>
-              <a:t>C Bus</a:t>
+              <a:t>control. </a:t>
             </a:r>
           </a:p>
           <a:p>
@@ -3916,40 +3960,14 @@
               <a:buAutoNum type="arabicPeriod"/>
             </a:pPr>
             <a:r>
-              <a:rPr lang="en-US" smtClean="0"/>
-              <a:t>AC Filter</a:t>
-            </a:r>
-            <a:endParaRPr lang="en-US" dirty="0" smtClean="0"/>
-          </a:p>
-          <a:p>
-            <a:pPr marL="514350" indent="-514350">
-              <a:buFont typeface="+mj-lt"/>
-              <a:buAutoNum type="arabicPeriod"/>
-            </a:pPr>
-            <a:r>
               <a:rPr lang="en-US" dirty="0" smtClean="0"/>
-              <a:t>Energy Storage (Accumulator)</a:t>
-            </a:r>
-          </a:p>
-          <a:p>
-            <a:pPr marL="514350" indent="-514350">
-              <a:buFont typeface="+mj-lt"/>
-              <a:buAutoNum type="arabicPeriod"/>
-            </a:pPr>
-            <a:r>
-              <a:rPr lang="en-US" dirty="0" smtClean="0"/>
-              <a:t>Loads</a:t>
-            </a:r>
-          </a:p>
-          <a:p>
-            <a:pPr marL="514350" indent="-514350">
-              <a:buFont typeface="+mj-lt"/>
-              <a:buAutoNum type="arabicPeriod"/>
-            </a:pPr>
-            <a:r>
-              <a:rPr lang="en-US" dirty="0" smtClean="0"/>
-              <a:t>Control System</a:t>
-            </a:r>
+              <a:t>Grid Power Transfer Control</a:t>
+            </a:r>
+            <a:r>
+              <a:rPr lang="en-US" dirty="0"/>
+              <a:t>, through the power electronics converter.</a:t>
+            </a:r>
+            <a:endParaRPr lang="en-US" dirty="0"/>
           </a:p>
         </p:txBody>
       </p:sp>
@@ -3969,18 +3987,23 @@
         </p:blipFill>
         <p:spPr>
           <a:xfrm>
-            <a:off x="5761759" y="1276350"/>
-            <a:ext cx="6210300" cy="5581650"/>
+            <a:off x="5559410" y="2360906"/>
+            <a:ext cx="6535607" cy="2761524"/>
           </a:xfrm>
           <a:prstGeom prst="rect">
             <a:avLst/>
           </a:prstGeom>
+          <a:ln>
+            <a:solidFill>
+              <a:schemeClr val="tx1"/>
+            </a:solidFill>
+          </a:ln>
         </p:spPr>
       </p:pic>
     </p:spTree>
     <p:extLst>
       <p:ext uri="{BB962C8B-B14F-4D97-AF65-F5344CB8AC3E}">
-        <p14:creationId xmlns:p14="http://schemas.microsoft.com/office/powerpoint/2010/main" val="420495290"/>
+        <p14:creationId xmlns:p14="http://schemas.microsoft.com/office/powerpoint/2010/main" val="1240402645"/>
       </p:ext>
     </p:extLst>
   </p:cSld>
@@ -3994,78 +4017,6 @@
       </p:par>
     </p:tnLst>
   </p:timing>
-</p:sld>
-</file>
-
-<file path=ppt/slides/slide13.xml><?xml version="1.0" encoding="utf-8"?>
-<p:sld xmlns:a="http://schemas.openxmlformats.org/drawingml/2006/main" xmlns:r="http://schemas.openxmlformats.org/officeDocument/2006/relationships" xmlns:p="http://schemas.openxmlformats.org/presentationml/2006/main">
-  <p:cSld>
-    <p:spTree>
-      <p:nvGrpSpPr>
-        <p:cNvPr id="1" name=""/>
-        <p:cNvGrpSpPr/>
-        <p:nvPr/>
-      </p:nvGrpSpPr>
-      <p:grpSpPr>
-        <a:xfrm>
-          <a:off x="0" y="0"/>
-          <a:ext cx="0" cy="0"/>
-          <a:chOff x="0" y="0"/>
-          <a:chExt cx="0" cy="0"/>
-        </a:xfrm>
-      </p:grpSpPr>
-      <p:sp>
-        <p:nvSpPr>
-          <p:cNvPr id="2" name="Title 1"/>
-          <p:cNvSpPr>
-            <a:spLocks noGrp="1"/>
-          </p:cNvSpPr>
-          <p:nvPr>
-            <p:ph type="title"/>
-          </p:nvPr>
-        </p:nvSpPr>
-        <p:spPr/>
-        <p:txBody>
-          <a:bodyPr/>
-          <a:lstStyle/>
-          <a:p>
-            <a:r>
-              <a:rPr lang="en-US" dirty="0" smtClean="0"/>
-              <a:t>Control Objectives </a:t>
-            </a:r>
-            <a:endParaRPr lang="en-US" dirty="0"/>
-          </a:p>
-        </p:txBody>
-      </p:sp>
-      <p:sp>
-        <p:nvSpPr>
-          <p:cNvPr id="3" name="Content Placeholder 2"/>
-          <p:cNvSpPr>
-            <a:spLocks noGrp="1"/>
-          </p:cNvSpPr>
-          <p:nvPr>
-            <p:ph idx="1"/>
-          </p:nvPr>
-        </p:nvSpPr>
-        <p:spPr/>
-        <p:txBody>
-          <a:bodyPr/>
-          <a:lstStyle/>
-          <a:p>
-            <a:endParaRPr lang="en-US"/>
-          </a:p>
-        </p:txBody>
-      </p:sp>
-    </p:spTree>
-    <p:extLst>
-      <p:ext uri="{BB962C8B-B14F-4D97-AF65-F5344CB8AC3E}">
-        <p14:creationId xmlns:p14="http://schemas.microsoft.com/office/powerpoint/2010/main" val="2380776649"/>
-      </p:ext>
-    </p:extLst>
-  </p:cSld>
-  <p:clrMapOvr>
-    <a:masterClrMapping/>
-  </p:clrMapOvr>
 </p:sld>
 </file>
 
@@ -4123,7 +4074,7 @@
             </p:nvSpPr>
             <p:spPr>
               <a:xfrm>
-                <a:off x="838200" y="1825625"/>
+                <a:off x="838200" y="1538288"/>
                 <a:ext cx="10965873" cy="4351338"/>
               </a:xfrm>
             </p:spPr>
@@ -4137,57 +4088,45 @@
                   <a:buNone/>
                 </a:pPr>
                 <a:r>
-                  <a:rPr lang="en-US" dirty="0" smtClean="0"/>
-                  <a:t>Most Probable Wind Speed </a:t>
+                  <a:rPr lang="en-US" sz="2400" dirty="0" smtClean="0"/>
+                  <a:t>The Site Wind Speed can be modeled by Weibull distribution. The Average </a:t>
+                </a:r>
+                <a:r>
+                  <a:rPr lang="en-US" sz="2400" dirty="0" smtClean="0"/>
+                  <a:t>Wind Speed </a:t>
                 </a:r>
                 <a14:m>
                   <m:oMath xmlns:m="http://schemas.openxmlformats.org/officeDocument/2006/math">
-                    <m:sSup>
-                      <m:sSupPr>
+                    <m:sSub>
+                      <m:sSubPr>
                         <m:ctrlPr>
-                          <a:rPr lang="en-US" b="0" i="1" smtClean="0">
+                          <a:rPr lang="en-US" sz="2400" i="1" smtClean="0">
                             <a:latin typeface="Cambria Math" panose="02040503050406030204" pitchFamily="18" charset="0"/>
                           </a:rPr>
                         </m:ctrlPr>
-                      </m:sSupPr>
+                      </m:sSubPr>
                       <m:e>
                         <m:r>
-                          <a:rPr lang="en-US" b="0" i="1" smtClean="0">
+                          <a:rPr lang="en-US" sz="2400" b="0" i="1" smtClean="0">
                             <a:latin typeface="Cambria Math" panose="02040503050406030204" pitchFamily="18" charset="0"/>
                           </a:rPr>
                           <m:t>𝑣</m:t>
                         </m:r>
                       </m:e>
-                      <m:sup>
+                      <m:sub>
                         <m:r>
-                          <a:rPr lang="en-US" b="0" i="1" smtClean="0">
+                          <a:rPr lang="en-US" sz="2400" b="0" i="1" smtClean="0">
                             <a:latin typeface="Cambria Math" panose="02040503050406030204" pitchFamily="18" charset="0"/>
                           </a:rPr>
-                          <m:t>∗</m:t>
+                          <m:t>𝑎𝑣𝑔</m:t>
                         </m:r>
-                      </m:sup>
-                    </m:sSup>
+                      </m:sub>
+                    </m:sSub>
                   </m:oMath>
                 </a14:m>
                 <a:r>
-                  <a:rPr lang="en-US" dirty="0" smtClean="0"/>
-                  <a:t> of the given site increases with the </a:t>
-                </a:r>
-                <a:r>
-                  <a:rPr lang="en-US" dirty="0" smtClean="0"/>
-                  <a:t>Weibull distribution Scale Factor </a:t>
-                </a:r>
-                <a:r>
-                  <a:rPr lang="en-US" dirty="0" smtClean="0"/>
-                  <a:t>c and </a:t>
-                </a:r>
-                <a:r>
-                  <a:rPr lang="en-US" dirty="0" smtClean="0"/>
-                  <a:t>Shape Factor </a:t>
-                </a:r>
-                <a:r>
-                  <a:rPr lang="en-US" dirty="0" smtClean="0"/>
-                  <a:t>k.</a:t>
+                  <a:rPr lang="en-US" sz="2400" dirty="0" smtClean="0"/>
+                  <a:t> increases with the Weibull distribution Scale Factor c and Shape Factor k.</a:t>
                 </a:r>
               </a:p>
               <a:p>
@@ -4200,131 +4139,106 @@
                       <m:jc m:val="centerGroup"/>
                     </m:oMathParaPr>
                     <m:oMath xmlns:m="http://schemas.openxmlformats.org/officeDocument/2006/math">
-                      <m:sSup>
-                        <m:sSupPr>
+                      <m:sSub>
+                        <m:sSubPr>
                           <m:ctrlPr>
-                            <a:rPr lang="en-US" b="0" i="1" smtClean="0">
+                            <a:rPr lang="en-US" sz="2400" i="1">
                               <a:latin typeface="Cambria Math" panose="02040503050406030204" pitchFamily="18" charset="0"/>
                             </a:rPr>
                           </m:ctrlPr>
-                        </m:sSupPr>
+                        </m:sSubPr>
                         <m:e>
                           <m:r>
-                            <a:rPr lang="en-US" b="0" i="1" smtClean="0">
+                            <a:rPr lang="en-US" sz="2400" i="1">
                               <a:latin typeface="Cambria Math" panose="02040503050406030204" pitchFamily="18" charset="0"/>
                             </a:rPr>
                             <m:t>𝑣</m:t>
                           </m:r>
                         </m:e>
-                        <m:sup>
+                        <m:sub>
                           <m:r>
-                            <a:rPr lang="en-US" b="0" i="1" smtClean="0">
+                            <a:rPr lang="en-US" sz="2400" i="1">
                               <a:latin typeface="Cambria Math" panose="02040503050406030204" pitchFamily="18" charset="0"/>
                             </a:rPr>
-                            <m:t>∗</m:t>
+                            <m:t>𝑎𝑣𝑔</m:t>
                           </m:r>
-                        </m:sup>
-                      </m:sSup>
+                        </m:sub>
+                      </m:sSub>
                       <m:r>
-                        <a:rPr lang="en-US" b="0" i="1" smtClean="0">
+                        <a:rPr lang="en-US" sz="2400" b="0" i="1" smtClean="0">
                           <a:latin typeface="Cambria Math" panose="02040503050406030204" pitchFamily="18" charset="0"/>
                         </a:rPr>
-                        <m:t> =</m:t>
+                        <m:t>=</m:t>
                       </m:r>
                       <m:r>
-                        <a:rPr lang="en-US" b="0" i="1" smtClean="0">
+                        <a:rPr lang="en-US" sz="2400" b="0" i="1" smtClean="0">
                           <a:latin typeface="Cambria Math" panose="02040503050406030204" pitchFamily="18" charset="0"/>
                         </a:rPr>
                         <m:t>𝑐</m:t>
                       </m:r>
                       <m:r>
-                        <a:rPr lang="en-US" b="0" i="1" smtClean="0">
+                        <a:rPr lang="en-US" sz="2400" b="0" i="1" smtClean="0">
                           <a:latin typeface="Cambria Math" panose="02040503050406030204" pitchFamily="18" charset="0"/>
                         </a:rPr>
                         <m:t>.</m:t>
                       </m:r>
-                      <m:sSup>
-                        <m:sSupPr>
+                      <m:r>
+                        <a:rPr lang="en-US" sz="2400" i="1">
+                          <a:latin typeface="Cambria Math" panose="02040503050406030204" pitchFamily="18" charset="0"/>
+                          <a:ea typeface="Cambria Math" panose="02040503050406030204" pitchFamily="18" charset="0"/>
+                        </a:rPr>
+                        <m:t>𝛤</m:t>
+                      </m:r>
+                      <m:r>
+                        <a:rPr lang="en-US" sz="2400" i="1">
+                          <a:latin typeface="Cambria Math" panose="02040503050406030204" pitchFamily="18" charset="0"/>
+                        </a:rPr>
+                        <m:t>(1+</m:t>
+                      </m:r>
+                      <m:f>
+                        <m:fPr>
                           <m:ctrlPr>
-                            <a:rPr lang="en-US" b="0" i="1" smtClean="0">
+                            <a:rPr lang="en-US" sz="2400" i="1">
                               <a:latin typeface="Cambria Math" panose="02040503050406030204" pitchFamily="18" charset="0"/>
                             </a:rPr>
                           </m:ctrlPr>
-                        </m:sSupPr>
-                        <m:e>
+                        </m:fPr>
+                        <m:num>
                           <m:r>
-                            <a:rPr lang="en-US" b="0" i="1" smtClean="0">
+                            <a:rPr lang="en-US" sz="2400" i="1">
                               <a:latin typeface="Cambria Math" panose="02040503050406030204" pitchFamily="18" charset="0"/>
                             </a:rPr>
-                            <m:t>(1−</m:t>
+                            <m:t>1</m:t>
                           </m:r>
-                          <m:f>
-                            <m:fPr>
-                              <m:ctrlPr>
-                                <a:rPr lang="en-US" b="0" i="1" smtClean="0">
-                                  <a:latin typeface="Cambria Math" panose="02040503050406030204" pitchFamily="18" charset="0"/>
-                                </a:rPr>
-                              </m:ctrlPr>
-                            </m:fPr>
-                            <m:num>
-                              <m:r>
-                                <a:rPr lang="en-US" b="0" i="1" smtClean="0">
-                                  <a:latin typeface="Cambria Math" panose="02040503050406030204" pitchFamily="18" charset="0"/>
-                                </a:rPr>
-                                <m:t>1</m:t>
-                              </m:r>
-                            </m:num>
-                            <m:den>
-                              <m:r>
-                                <a:rPr lang="en-US" b="0" i="1" smtClean="0">
-                                  <a:latin typeface="Cambria Math" panose="02040503050406030204" pitchFamily="18" charset="0"/>
-                                </a:rPr>
-                                <m:t>𝑘</m:t>
-                              </m:r>
-                            </m:den>
-                          </m:f>
+                        </m:num>
+                        <m:den>
                           <m:r>
-                            <a:rPr lang="en-US" b="0" i="1" smtClean="0">
+                            <a:rPr lang="en-US" sz="2400" i="1">
                               <a:latin typeface="Cambria Math" panose="02040503050406030204" pitchFamily="18" charset="0"/>
                             </a:rPr>
-                            <m:t>)</m:t>
+                            <m:t>𝑘</m:t>
                           </m:r>
-                        </m:e>
-                        <m:sup>
-                          <m:f>
-                            <m:fPr>
-                              <m:ctrlPr>
-                                <a:rPr lang="en-US" b="0" i="1" smtClean="0">
-                                  <a:latin typeface="Cambria Math" panose="02040503050406030204" pitchFamily="18" charset="0"/>
-                                </a:rPr>
-                              </m:ctrlPr>
-                            </m:fPr>
-                            <m:num>
-                              <m:r>
-                                <a:rPr lang="en-US" b="0" i="1" smtClean="0">
-                                  <a:latin typeface="Cambria Math" panose="02040503050406030204" pitchFamily="18" charset="0"/>
-                                </a:rPr>
-                                <m:t>1</m:t>
-                              </m:r>
-                            </m:num>
-                            <m:den>
-                              <m:r>
-                                <a:rPr lang="en-US" b="0" i="1" smtClean="0">
-                                  <a:latin typeface="Cambria Math" panose="02040503050406030204" pitchFamily="18" charset="0"/>
-                                </a:rPr>
-                                <m:t>𝑘</m:t>
-                              </m:r>
-                            </m:den>
-                          </m:f>
-                        </m:sup>
-                      </m:sSup>
+                        </m:den>
+                      </m:f>
+                      <m:r>
+                        <a:rPr lang="en-US" sz="2400" i="1">
+                          <a:latin typeface="Cambria Math" panose="02040503050406030204" pitchFamily="18" charset="0"/>
+                        </a:rPr>
+                        <m:t>)</m:t>
+                      </m:r>
                     </m:oMath>
                   </m:oMathPara>
                 </a14:m>
-                <a:endParaRPr lang="en-US" dirty="0" smtClean="0"/>
+                <a:endParaRPr lang="en-US" sz="2400" dirty="0" smtClean="0"/>
               </a:p>
               <a:p>
-                <a:endParaRPr lang="en-US" dirty="0"/>
+                <a:pPr marL="0" indent="0">
+                  <a:buNone/>
+                </a:pPr>
+                <a:endParaRPr lang="en-US" sz="2400" dirty="0" smtClean="0"/>
+              </a:p>
+              <a:p>
+                <a:endParaRPr lang="en-US" sz="2400" dirty="0"/>
               </a:p>
             </p:txBody>
           </p:sp>
@@ -4342,13 +4256,13 @@
             </p:nvSpPr>
             <p:spPr>
               <a:xfrm>
-                <a:off x="838200" y="1825625"/>
+                <a:off x="838200" y="1538288"/>
                 <a:ext cx="10965873" cy="4351338"/>
               </a:xfrm>
               <a:blipFill>
                 <a:blip r:embed="rId3"/>
                 <a:stretch>
-                  <a:fillRect l="-1168" t="-2241" r="-612"/>
+                  <a:fillRect l="-890" t="-1961" r="-945"/>
                 </a:stretch>
               </a:blipFill>
             </p:spPr>
@@ -4382,12 +4296,17 @@
         </p:blipFill>
         <p:spPr>
           <a:xfrm>
-            <a:off x="6670964" y="3419475"/>
+            <a:off x="6767945" y="3239366"/>
             <a:ext cx="4100945" cy="3438525"/>
           </a:xfrm>
           <a:prstGeom prst="rect">
             <a:avLst/>
           </a:prstGeom>
+          <a:ln>
+            <a:solidFill>
+              <a:schemeClr val="tx1"/>
+            </a:solidFill>
+          </a:ln>
         </p:spPr>
       </p:pic>
       <p:pic>
@@ -4405,12 +4324,17 @@
         </p:blipFill>
         <p:spPr>
           <a:xfrm>
-            <a:off x="1239981" y="3419475"/>
-            <a:ext cx="4336473" cy="3638550"/>
+            <a:off x="1239981" y="3239366"/>
+            <a:ext cx="4336473" cy="3438525"/>
           </a:xfrm>
           <a:prstGeom prst="rect">
             <a:avLst/>
           </a:prstGeom>
+          <a:ln>
+            <a:solidFill>
+              <a:schemeClr val="tx1"/>
+            </a:solidFill>
+          </a:ln>
         </p:spPr>
       </p:pic>
     </p:spTree>
@@ -4487,8 +4411,8 @@
             </p:nvSpPr>
             <p:spPr>
               <a:xfrm>
-                <a:off x="838200" y="1825625"/>
-                <a:ext cx="6343649" cy="4351338"/>
+                <a:off x="838200" y="1468582"/>
+                <a:ext cx="6102927" cy="5389417"/>
               </a:xfrm>
             </p:spPr>
             <p:txBody>
@@ -4497,268 +4421,144 @@
               </a:bodyPr>
               <a:lstStyle/>
               <a:p>
-                <a:pPr marL="0" indent="0">
+                <a:pPr marL="0" indent="0" algn="just">
                   <a:buNone/>
                 </a:pPr>
                 <a:r>
                   <a:rPr lang="en-US" dirty="0" smtClean="0"/>
-                  <a:t>The Mean Wind Power Density and </a:t>
-                </a:r>
-                <a:r>
-                  <a:rPr lang="en-US" dirty="0" smtClean="0"/>
-                  <a:t>The </a:t>
-                </a:r>
-                <a:r>
-                  <a:rPr lang="en-US" dirty="0" smtClean="0"/>
-                  <a:t>Most Optimal Wind Speed increase with the Scale Factor c, but</a:t>
-                </a:r>
-                <a:r>
-                  <a:rPr lang="en-US" dirty="0" smtClean="0"/>
-                  <a:t> they decrease with the Shape Factor k.</a:t>
+                  <a:t>The Mean Wind Power Density and The Most Optimal Wind Speed increase with the Scale Factor c, but they decrease with the Shape Factor k.</a:t>
                 </a:r>
               </a:p>
               <a:p>
                 <a:pPr marL="0" indent="0">
                   <a:buNone/>
                 </a:pPr>
+                <a:r>
+                  <a:rPr lang="en-US" dirty="0" smtClean="0"/>
+                  <a:t>	</a:t>
+                </a:r>
                 <a14:m>
-                  <m:oMathPara xmlns:m="http://schemas.openxmlformats.org/officeDocument/2006/math">
-                    <m:oMathParaPr>
-                      <m:jc m:val="centerGroup"/>
-                    </m:oMathParaPr>
-                    <m:oMath xmlns:m="http://schemas.openxmlformats.org/officeDocument/2006/math">
-                      <m:sSub>
-                        <m:sSubPr>
-                          <m:ctrlPr>
-                            <a:rPr lang="en-US" i="1" smtClean="0">
-                              <a:latin typeface="Cambria Math" panose="02040503050406030204" pitchFamily="18" charset="0"/>
-                            </a:rPr>
-                          </m:ctrlPr>
-                        </m:sSubPr>
-                        <m:e>
-                          <m:r>
-                            <a:rPr lang="en-US" b="0" i="1" smtClean="0">
-                              <a:latin typeface="Cambria Math" panose="02040503050406030204" pitchFamily="18" charset="0"/>
-                            </a:rPr>
-                            <m:t>𝑃</m:t>
-                          </m:r>
-                        </m:e>
-                        <m:sub>
-                          <m:r>
-                            <a:rPr lang="en-US" b="0" i="1" smtClean="0">
-                              <a:latin typeface="Cambria Math" panose="02040503050406030204" pitchFamily="18" charset="0"/>
-                            </a:rPr>
-                            <m:t>𝑡𝑚𝑒𝑎𝑛</m:t>
-                          </m:r>
-                        </m:sub>
-                      </m:sSub>
-                      <m:r>
-                        <a:rPr lang="en-US" b="0" i="1" smtClean="0">
-                          <a:latin typeface="Cambria Math" panose="02040503050406030204" pitchFamily="18" charset="0"/>
-                        </a:rPr>
-                        <m:t>=</m:t>
-                      </m:r>
-                      <m:f>
-                        <m:fPr>
-                          <m:ctrlPr>
-                            <a:rPr lang="en-US" b="0" i="1" smtClean="0">
-                              <a:latin typeface="Cambria Math" panose="02040503050406030204" pitchFamily="18" charset="0"/>
-                            </a:rPr>
-                          </m:ctrlPr>
-                        </m:fPr>
-                        <m:num>
-                          <m:r>
-                            <a:rPr lang="en-US" b="0" i="1" smtClean="0">
-                              <a:latin typeface="Cambria Math" panose="02040503050406030204" pitchFamily="18" charset="0"/>
-                            </a:rPr>
-                            <m:t>1</m:t>
-                          </m:r>
-                        </m:num>
-                        <m:den>
-                          <m:r>
-                            <a:rPr lang="en-US" b="0" i="1" smtClean="0">
-                              <a:latin typeface="Cambria Math" panose="02040503050406030204" pitchFamily="18" charset="0"/>
-                            </a:rPr>
-                            <m:t>2</m:t>
-                          </m:r>
-                        </m:den>
-                      </m:f>
-                      <m:r>
-                        <a:rPr lang="en-US" b="0" i="1" smtClean="0">
-                          <a:latin typeface="Cambria Math" panose="02040503050406030204" pitchFamily="18" charset="0"/>
-                        </a:rPr>
-                        <m:t>𝐴</m:t>
-                      </m:r>
-                      <m:r>
-                        <a:rPr lang="en-US" b="0" i="1" smtClean="0">
-                          <a:latin typeface="Cambria Math" panose="02040503050406030204" pitchFamily="18" charset="0"/>
-                          <a:ea typeface="Cambria Math" panose="02040503050406030204" pitchFamily="18" charset="0"/>
-                        </a:rPr>
-                        <m:t>𝜌</m:t>
-                      </m:r>
-                      <m:f>
-                        <m:fPr>
-                          <m:ctrlPr>
-                            <a:rPr lang="en-US" b="0" i="1" smtClean="0">
-                              <a:latin typeface="Cambria Math" panose="02040503050406030204" pitchFamily="18" charset="0"/>
-                              <a:ea typeface="Cambria Math" panose="02040503050406030204" pitchFamily="18" charset="0"/>
-                            </a:rPr>
-                          </m:ctrlPr>
-                        </m:fPr>
-                        <m:num>
-                          <m:r>
-                            <a:rPr lang="en-US" b="0" i="1" smtClean="0">
-                              <a:latin typeface="Cambria Math" panose="02040503050406030204" pitchFamily="18" charset="0"/>
-                              <a:ea typeface="Cambria Math" panose="02040503050406030204" pitchFamily="18" charset="0"/>
-                            </a:rPr>
-                            <m:t>𝛤</m:t>
-                          </m:r>
-                          <m:r>
-                            <a:rPr lang="en-US" b="0" i="1" smtClean="0">
-                              <a:latin typeface="Cambria Math" panose="02040503050406030204" pitchFamily="18" charset="0"/>
-                              <a:ea typeface="Cambria Math" panose="02040503050406030204" pitchFamily="18" charset="0"/>
-                            </a:rPr>
-                            <m:t>(1+</m:t>
-                          </m:r>
-                          <m:f>
-                            <m:fPr>
-                              <m:ctrlPr>
-                                <a:rPr lang="en-US" b="0" i="1" smtClean="0">
-                                  <a:latin typeface="Cambria Math" panose="02040503050406030204" pitchFamily="18" charset="0"/>
-                                  <a:ea typeface="Cambria Math" panose="02040503050406030204" pitchFamily="18" charset="0"/>
-                                </a:rPr>
-                              </m:ctrlPr>
-                            </m:fPr>
-                            <m:num>
-                              <m:r>
-                                <a:rPr lang="en-US" b="0" i="1" smtClean="0">
-                                  <a:latin typeface="Cambria Math" panose="02040503050406030204" pitchFamily="18" charset="0"/>
-                                  <a:ea typeface="Cambria Math" panose="02040503050406030204" pitchFamily="18" charset="0"/>
-                                </a:rPr>
-                                <m:t>3</m:t>
-                              </m:r>
-                            </m:num>
-                            <m:den>
-                              <m:r>
-                                <a:rPr lang="en-US" b="0" i="1" smtClean="0">
-                                  <a:latin typeface="Cambria Math" panose="02040503050406030204" pitchFamily="18" charset="0"/>
-                                  <a:ea typeface="Cambria Math" panose="02040503050406030204" pitchFamily="18" charset="0"/>
-                                </a:rPr>
-                                <m:t>𝑘</m:t>
-                              </m:r>
-                            </m:den>
-                          </m:f>
-                          <m:r>
-                            <a:rPr lang="en-US" b="0" i="1" smtClean="0">
-                              <a:latin typeface="Cambria Math" panose="02040503050406030204" pitchFamily="18" charset="0"/>
-                              <a:ea typeface="Cambria Math" panose="02040503050406030204" pitchFamily="18" charset="0"/>
-                            </a:rPr>
-                            <m:t>)</m:t>
-                          </m:r>
-                        </m:num>
-                        <m:den>
-                          <m:sSup>
-                            <m:sSupPr>
-                              <m:ctrlPr>
-                                <a:rPr lang="en-US" b="0" i="1" smtClean="0">
-                                  <a:latin typeface="Cambria Math" panose="02040503050406030204" pitchFamily="18" charset="0"/>
-                                  <a:ea typeface="Cambria Math" panose="02040503050406030204" pitchFamily="18" charset="0"/>
-                                </a:rPr>
-                              </m:ctrlPr>
-                            </m:sSupPr>
-                            <m:e>
-                              <m:r>
-                                <a:rPr lang="en-US" b="0" i="1" smtClean="0">
-                                  <a:latin typeface="Cambria Math" panose="02040503050406030204" pitchFamily="18" charset="0"/>
-                                  <a:ea typeface="Cambria Math" panose="02040503050406030204" pitchFamily="18" charset="0"/>
-                                </a:rPr>
-                                <m:t>𝛤</m:t>
-                              </m:r>
-                            </m:e>
-                            <m:sup>
-                              <m:r>
-                                <a:rPr lang="en-US" b="0" i="1" smtClean="0">
-                                  <a:latin typeface="Cambria Math" panose="02040503050406030204" pitchFamily="18" charset="0"/>
-                                  <a:ea typeface="Cambria Math" panose="02040503050406030204" pitchFamily="18" charset="0"/>
-                                </a:rPr>
-                                <m:t>3</m:t>
-                              </m:r>
-                            </m:sup>
-                          </m:sSup>
-                          <m:r>
-                            <a:rPr lang="en-US" b="0" i="1" smtClean="0">
-                              <a:latin typeface="Cambria Math" panose="02040503050406030204" pitchFamily="18" charset="0"/>
-                              <a:ea typeface="Cambria Math" panose="02040503050406030204" pitchFamily="18" charset="0"/>
-                            </a:rPr>
-                            <m:t>(1+</m:t>
-                          </m:r>
-                          <m:f>
-                            <m:fPr>
-                              <m:ctrlPr>
-                                <a:rPr lang="en-US" b="0" i="1" smtClean="0">
-                                  <a:latin typeface="Cambria Math" panose="02040503050406030204" pitchFamily="18" charset="0"/>
-                                  <a:ea typeface="Cambria Math" panose="02040503050406030204" pitchFamily="18" charset="0"/>
-                                </a:rPr>
-                              </m:ctrlPr>
-                            </m:fPr>
-                            <m:num>
-                              <m:r>
-                                <a:rPr lang="en-US" b="0" i="1" smtClean="0">
-                                  <a:latin typeface="Cambria Math" panose="02040503050406030204" pitchFamily="18" charset="0"/>
-                                  <a:ea typeface="Cambria Math" panose="02040503050406030204" pitchFamily="18" charset="0"/>
-                                </a:rPr>
-                                <m:t>1</m:t>
-                              </m:r>
-                            </m:num>
-                            <m:den>
-                              <m:r>
-                                <a:rPr lang="en-US" b="0" i="1" smtClean="0">
-                                  <a:latin typeface="Cambria Math" panose="02040503050406030204" pitchFamily="18" charset="0"/>
-                                  <a:ea typeface="Cambria Math" panose="02040503050406030204" pitchFamily="18" charset="0"/>
-                                </a:rPr>
-                                <m:t>𝑘</m:t>
-                              </m:r>
-                            </m:den>
-                          </m:f>
-                          <m:r>
-                            <a:rPr lang="en-US" b="0" i="1" smtClean="0">
-                              <a:latin typeface="Cambria Math" panose="02040503050406030204" pitchFamily="18" charset="0"/>
-                              <a:ea typeface="Cambria Math" panose="02040503050406030204" pitchFamily="18" charset="0"/>
-                            </a:rPr>
-                            <m:t>)</m:t>
-                          </m:r>
-                        </m:den>
-                      </m:f>
-                      <m:sSup>
-                        <m:sSupPr>
-                          <m:ctrlPr>
-                            <a:rPr lang="en-US" b="0" i="1" smtClean="0">
-                              <a:latin typeface="Cambria Math" panose="02040503050406030204" pitchFamily="18" charset="0"/>
-                              <a:ea typeface="Cambria Math" panose="02040503050406030204" pitchFamily="18" charset="0"/>
-                            </a:rPr>
-                          </m:ctrlPr>
-                        </m:sSupPr>
-                        <m:e>
-                          <m:r>
-                            <a:rPr lang="en-US" b="0" i="1" smtClean="0">
-                              <a:latin typeface="Cambria Math" panose="02040503050406030204" pitchFamily="18" charset="0"/>
-                              <a:ea typeface="Cambria Math" panose="02040503050406030204" pitchFamily="18" charset="0"/>
-                            </a:rPr>
-                            <m:t>𝑣</m:t>
-                          </m:r>
-                        </m:e>
-                        <m:sup>
-                          <m:r>
-                            <a:rPr lang="en-US" b="0" i="1" smtClean="0">
-                              <a:latin typeface="Cambria Math" panose="02040503050406030204" pitchFamily="18" charset="0"/>
-                              <a:ea typeface="Cambria Math" panose="02040503050406030204" pitchFamily="18" charset="0"/>
-                            </a:rPr>
-                            <m:t>3</m:t>
-                          </m:r>
-                        </m:sup>
-                      </m:sSup>
-                    </m:oMath>
-                  </m:oMathPara>
+                  <m:oMath xmlns:m="http://schemas.openxmlformats.org/officeDocument/2006/math">
+                    <m:sSub>
+                      <m:sSubPr>
+                        <m:ctrlPr>
+                          <a:rPr lang="en-US" i="1">
+                            <a:latin typeface="Cambria Math" panose="02040503050406030204" pitchFamily="18" charset="0"/>
+                          </a:rPr>
+                        </m:ctrlPr>
+                      </m:sSubPr>
+                      <m:e>
+                        <m:r>
+                          <a:rPr lang="en-US" i="1">
+                            <a:latin typeface="Cambria Math" panose="02040503050406030204" pitchFamily="18" charset="0"/>
+                          </a:rPr>
+                          <m:t>𝑃</m:t>
+                        </m:r>
+                      </m:e>
+                      <m:sub>
+                        <m:r>
+                          <a:rPr lang="en-US" i="1">
+                            <a:latin typeface="Cambria Math" panose="02040503050406030204" pitchFamily="18" charset="0"/>
+                          </a:rPr>
+                          <m:t>𝑡𝑚𝑒𝑎𝑛</m:t>
+                        </m:r>
+                      </m:sub>
+                    </m:sSub>
+                    <m:r>
+                      <a:rPr lang="en-US" i="1">
+                        <a:latin typeface="Cambria Math" panose="02040503050406030204" pitchFamily="18" charset="0"/>
+                      </a:rPr>
+                      <m:t>=</m:t>
+                    </m:r>
+                    <m:f>
+                      <m:fPr>
+                        <m:ctrlPr>
+                          <a:rPr lang="en-US" i="1">
+                            <a:latin typeface="Cambria Math" panose="02040503050406030204" pitchFamily="18" charset="0"/>
+                          </a:rPr>
+                        </m:ctrlPr>
+                      </m:fPr>
+                      <m:num>
+                        <m:r>
+                          <a:rPr lang="en-US" i="1">
+                            <a:latin typeface="Cambria Math" panose="02040503050406030204" pitchFamily="18" charset="0"/>
+                          </a:rPr>
+                          <m:t>1</m:t>
+                        </m:r>
+                      </m:num>
+                      <m:den>
+                        <m:r>
+                          <a:rPr lang="en-US" i="1">
+                            <a:latin typeface="Cambria Math" panose="02040503050406030204" pitchFamily="18" charset="0"/>
+                          </a:rPr>
+                          <m:t>2</m:t>
+                        </m:r>
+                      </m:den>
+                    </m:f>
+                    <m:r>
+                      <a:rPr lang="en-US" i="1">
+                        <a:latin typeface="Cambria Math" panose="02040503050406030204" pitchFamily="18" charset="0"/>
+                        <a:ea typeface="Cambria Math" panose="02040503050406030204" pitchFamily="18" charset="0"/>
+                      </a:rPr>
+                      <m:t>𝜌</m:t>
+                    </m:r>
+                    <m:r>
+                      <a:rPr lang="en-US" i="1">
+                        <a:latin typeface="Cambria Math" panose="02040503050406030204" pitchFamily="18" charset="0"/>
+                        <a:ea typeface="Cambria Math" panose="02040503050406030204" pitchFamily="18" charset="0"/>
+                      </a:rPr>
+                      <m:t>.</m:t>
+                    </m:r>
+                    <m:r>
+                      <a:rPr lang="en-US" i="1">
+                        <a:latin typeface="Cambria Math" panose="02040503050406030204" pitchFamily="18" charset="0"/>
+                        <a:ea typeface="Cambria Math" panose="02040503050406030204" pitchFamily="18" charset="0"/>
+                      </a:rPr>
+                      <m:t>𝐴</m:t>
+                    </m:r>
+                    <m:r>
+                      <a:rPr lang="en-US" i="1">
+                        <a:latin typeface="Cambria Math" panose="02040503050406030204" pitchFamily="18" charset="0"/>
+                        <a:ea typeface="Cambria Math" panose="02040503050406030204" pitchFamily="18" charset="0"/>
+                      </a:rPr>
+                      <m:t>.&lt;</m:t>
+                    </m:r>
+                    <m:sSup>
+                      <m:sSupPr>
+                        <m:ctrlPr>
+                          <a:rPr lang="en-US" i="1">
+                            <a:latin typeface="Cambria Math" panose="02040503050406030204" pitchFamily="18" charset="0"/>
+                            <a:ea typeface="Cambria Math" panose="02040503050406030204" pitchFamily="18" charset="0"/>
+                          </a:rPr>
+                        </m:ctrlPr>
+                      </m:sSupPr>
+                      <m:e>
+                        <m:r>
+                          <a:rPr lang="en-US" i="1">
+                            <a:latin typeface="Cambria Math" panose="02040503050406030204" pitchFamily="18" charset="0"/>
+                            <a:ea typeface="Cambria Math" panose="02040503050406030204" pitchFamily="18" charset="0"/>
+                          </a:rPr>
+                          <m:t>𝑣</m:t>
+                        </m:r>
+                      </m:e>
+                      <m:sup>
+                        <m:r>
+                          <a:rPr lang="en-US" i="1">
+                            <a:latin typeface="Cambria Math" panose="02040503050406030204" pitchFamily="18" charset="0"/>
+                            <a:ea typeface="Cambria Math" panose="02040503050406030204" pitchFamily="18" charset="0"/>
+                          </a:rPr>
+                          <m:t>3</m:t>
+                        </m:r>
+                      </m:sup>
+                    </m:sSup>
+                    <m:r>
+                      <a:rPr lang="en-US" b="0" i="1" smtClean="0">
+                        <a:latin typeface="Cambria Math" panose="02040503050406030204" pitchFamily="18" charset="0"/>
+                        <a:ea typeface="Cambria Math" panose="02040503050406030204" pitchFamily="18" charset="0"/>
+                      </a:rPr>
+                      <m:t>&gt;</m:t>
+                    </m:r>
+                  </m:oMath>
                 </a14:m>
                 <a:endParaRPr lang="en-US" dirty="0" smtClean="0"/>
               </a:p>
@@ -4778,6 +4578,104 @@
                       <m:jc m:val="centerGroup"/>
                     </m:oMathParaPr>
                     <m:oMath xmlns:m="http://schemas.openxmlformats.org/officeDocument/2006/math">
+                      <m:f>
+                        <m:fPr>
+                          <m:ctrlPr>
+                            <a:rPr lang="en-US" b="0" i="1" dirty="0" smtClean="0">
+                              <a:latin typeface="Cambria Math" panose="02040503050406030204" pitchFamily="18" charset="0"/>
+                            </a:rPr>
+                          </m:ctrlPr>
+                        </m:fPr>
+                        <m:num>
+                          <m:r>
+                            <a:rPr lang="en-US" b="0" i="1" dirty="0" smtClean="0">
+                              <a:latin typeface="Cambria Math" panose="02040503050406030204" pitchFamily="18" charset="0"/>
+                            </a:rPr>
+                            <m:t>𝑑</m:t>
+                          </m:r>
+                        </m:num>
+                        <m:den>
+                          <m:r>
+                            <a:rPr lang="en-US" b="0" i="1" dirty="0" smtClean="0">
+                              <a:latin typeface="Cambria Math" panose="02040503050406030204" pitchFamily="18" charset="0"/>
+                            </a:rPr>
+                            <m:t>𝑑𝑣</m:t>
+                          </m:r>
+                        </m:den>
+                      </m:f>
+                      <m:r>
+                        <a:rPr lang="en-US" b="0" i="1" dirty="0" smtClean="0">
+                          <a:latin typeface="Cambria Math" panose="02040503050406030204" pitchFamily="18" charset="0"/>
+                        </a:rPr>
+                        <m:t>[</m:t>
+                      </m:r>
+                      <m:sSup>
+                        <m:sSupPr>
+                          <m:ctrlPr>
+                            <a:rPr lang="en-US" i="1">
+                              <a:latin typeface="Cambria Math" panose="02040503050406030204" pitchFamily="18" charset="0"/>
+                              <a:ea typeface="Cambria Math" panose="02040503050406030204" pitchFamily="18" charset="0"/>
+                            </a:rPr>
+                          </m:ctrlPr>
+                        </m:sSupPr>
+                        <m:e>
+                          <m:r>
+                            <a:rPr lang="en-US" i="1">
+                              <a:latin typeface="Cambria Math" panose="02040503050406030204" pitchFamily="18" charset="0"/>
+                              <a:ea typeface="Cambria Math" panose="02040503050406030204" pitchFamily="18" charset="0"/>
+                            </a:rPr>
+                            <m:t>𝑣</m:t>
+                          </m:r>
+                        </m:e>
+                        <m:sup>
+                          <m:r>
+                            <a:rPr lang="en-US" i="1">
+                              <a:latin typeface="Cambria Math" panose="02040503050406030204" pitchFamily="18" charset="0"/>
+                              <a:ea typeface="Cambria Math" panose="02040503050406030204" pitchFamily="18" charset="0"/>
+                            </a:rPr>
+                            <m:t>3</m:t>
+                          </m:r>
+                        </m:sup>
+                      </m:sSup>
+                      <m:r>
+                        <a:rPr lang="en-US" i="1">
+                          <a:latin typeface="Cambria Math" panose="02040503050406030204" pitchFamily="18" charset="0"/>
+                          <a:ea typeface="Cambria Math" panose="02040503050406030204" pitchFamily="18" charset="0"/>
+                        </a:rPr>
+                        <m:t>𝑝</m:t>
+                      </m:r>
+                      <m:d>
+                        <m:dPr>
+                          <m:ctrlPr>
+                            <a:rPr lang="en-US" i="1">
+                              <a:latin typeface="Cambria Math" panose="02040503050406030204" pitchFamily="18" charset="0"/>
+                              <a:ea typeface="Cambria Math" panose="02040503050406030204" pitchFamily="18" charset="0"/>
+                            </a:rPr>
+                          </m:ctrlPr>
+                        </m:dPr>
+                        <m:e>
+                          <m:r>
+                            <a:rPr lang="en-US" i="1">
+                              <a:latin typeface="Cambria Math" panose="02040503050406030204" pitchFamily="18" charset="0"/>
+                              <a:ea typeface="Cambria Math" panose="02040503050406030204" pitchFamily="18" charset="0"/>
+                            </a:rPr>
+                            <m:t>𝑣</m:t>
+                          </m:r>
+                        </m:e>
+                      </m:d>
+                      <m:r>
+                        <a:rPr lang="en-US" b="0" i="1" dirty="0" smtClean="0">
+                          <a:latin typeface="Cambria Math" panose="02040503050406030204" pitchFamily="18" charset="0"/>
+                        </a:rPr>
+                        <m:t>]=0</m:t>
+                      </m:r>
+                      <m:r>
+                        <a:rPr lang="en-US" i="1" dirty="0">
+                          <a:latin typeface="Cambria Math" panose="02040503050406030204" pitchFamily="18" charset="0"/>
+                          <a:ea typeface="Cambria Math" panose="02040503050406030204" pitchFamily="18" charset="0"/>
+                        </a:rPr>
+                        <m:t>⇒</m:t>
+                      </m:r>
                       <m:sSub>
                         <m:sSubPr>
                           <m:ctrlPr>
@@ -4907,6 +4805,229 @@
                 </a:pPr>
                 <a:endParaRPr lang="en-US" dirty="0" smtClean="0"/>
               </a:p>
+              <a:p>
+                <a:pPr marL="0" indent="0">
+                  <a:buNone/>
+                </a:pPr>
+                <a14:m>
+                  <m:oMathPara xmlns:m="http://schemas.openxmlformats.org/officeDocument/2006/math">
+                    <m:oMathParaPr>
+                      <m:jc m:val="centerGroup"/>
+                    </m:oMathParaPr>
+                    <m:oMath xmlns:m="http://schemas.openxmlformats.org/officeDocument/2006/math">
+                      <m:f>
+                        <m:fPr>
+                          <m:ctrlPr>
+                            <a:rPr lang="en-US" i="1" dirty="0">
+                              <a:latin typeface="Cambria Math" panose="02040503050406030204" pitchFamily="18" charset="0"/>
+                            </a:rPr>
+                          </m:ctrlPr>
+                        </m:fPr>
+                        <m:num>
+                          <m:r>
+                            <a:rPr lang="en-US" i="1" dirty="0">
+                              <a:latin typeface="Cambria Math" panose="02040503050406030204" pitchFamily="18" charset="0"/>
+                            </a:rPr>
+                            <m:t>𝑑</m:t>
+                          </m:r>
+                        </m:num>
+                        <m:den>
+                          <m:r>
+                            <a:rPr lang="en-US" i="1" dirty="0">
+                              <a:latin typeface="Cambria Math" panose="02040503050406030204" pitchFamily="18" charset="0"/>
+                            </a:rPr>
+                            <m:t>𝑑𝑣</m:t>
+                          </m:r>
+                        </m:den>
+                      </m:f>
+                      <m:r>
+                        <a:rPr lang="en-US" i="1" dirty="0">
+                          <a:latin typeface="Cambria Math" panose="02040503050406030204" pitchFamily="18" charset="0"/>
+                        </a:rPr>
+                        <m:t>[</m:t>
+                      </m:r>
+                      <m:r>
+                        <a:rPr lang="en-US" i="1">
+                          <a:latin typeface="Cambria Math" panose="02040503050406030204" pitchFamily="18" charset="0"/>
+                          <a:ea typeface="Cambria Math" panose="02040503050406030204" pitchFamily="18" charset="0"/>
+                        </a:rPr>
+                        <m:t>𝑣</m:t>
+                      </m:r>
+                      <m:r>
+                        <a:rPr lang="en-US" b="0" i="1" smtClean="0">
+                          <a:latin typeface="Cambria Math" panose="02040503050406030204" pitchFamily="18" charset="0"/>
+                          <a:ea typeface="Cambria Math" panose="02040503050406030204" pitchFamily="18" charset="0"/>
+                        </a:rPr>
+                        <m:t>.</m:t>
+                      </m:r>
+                      <m:r>
+                        <a:rPr lang="en-US" i="1">
+                          <a:latin typeface="Cambria Math" panose="02040503050406030204" pitchFamily="18" charset="0"/>
+                          <a:ea typeface="Cambria Math" panose="02040503050406030204" pitchFamily="18" charset="0"/>
+                        </a:rPr>
+                        <m:t>𝑝</m:t>
+                      </m:r>
+                      <m:d>
+                        <m:dPr>
+                          <m:ctrlPr>
+                            <a:rPr lang="en-US" i="1">
+                              <a:latin typeface="Cambria Math" panose="02040503050406030204" pitchFamily="18" charset="0"/>
+                              <a:ea typeface="Cambria Math" panose="02040503050406030204" pitchFamily="18" charset="0"/>
+                            </a:rPr>
+                          </m:ctrlPr>
+                        </m:dPr>
+                        <m:e>
+                          <m:r>
+                            <a:rPr lang="en-US" i="1">
+                              <a:latin typeface="Cambria Math" panose="02040503050406030204" pitchFamily="18" charset="0"/>
+                              <a:ea typeface="Cambria Math" panose="02040503050406030204" pitchFamily="18" charset="0"/>
+                            </a:rPr>
+                            <m:t>𝑣</m:t>
+                          </m:r>
+                        </m:e>
+                      </m:d>
+                      <m:r>
+                        <a:rPr lang="en-US" i="1" dirty="0">
+                          <a:latin typeface="Cambria Math" panose="02040503050406030204" pitchFamily="18" charset="0"/>
+                        </a:rPr>
+                        <m:t>]=0</m:t>
+                      </m:r>
+                      <m:r>
+                        <a:rPr lang="en-US" i="1" dirty="0">
+                          <a:latin typeface="Cambria Math" panose="02040503050406030204" pitchFamily="18" charset="0"/>
+                          <a:ea typeface="Cambria Math" panose="02040503050406030204" pitchFamily="18" charset="0"/>
+                        </a:rPr>
+                        <m:t>⇒</m:t>
+                      </m:r>
+                      <m:sSub>
+                        <m:sSubPr>
+                          <m:ctrlPr>
+                            <a:rPr lang="en-US" i="1" dirty="0">
+                              <a:latin typeface="Cambria Math" panose="02040503050406030204" pitchFamily="18" charset="0"/>
+                            </a:rPr>
+                          </m:ctrlPr>
+                        </m:sSubPr>
+                        <m:e>
+                          <m:r>
+                            <a:rPr lang="en-US" i="1" dirty="0">
+                              <a:latin typeface="Cambria Math" panose="02040503050406030204" pitchFamily="18" charset="0"/>
+                            </a:rPr>
+                            <m:t>𝑣</m:t>
+                          </m:r>
+                        </m:e>
+                        <m:sub>
+                          <m:r>
+                            <a:rPr lang="en-US" b="0" i="1" dirty="0" smtClean="0">
+                              <a:latin typeface="Cambria Math" panose="02040503050406030204" pitchFamily="18" charset="0"/>
+                            </a:rPr>
+                            <m:t>𝑚𝑒𝑎𝑛</m:t>
+                          </m:r>
+                        </m:sub>
+                      </m:sSub>
+                      <m:r>
+                        <a:rPr lang="en-US" i="1">
+                          <a:latin typeface="Cambria Math" panose="02040503050406030204" pitchFamily="18" charset="0"/>
+                        </a:rPr>
+                        <m:t>=</m:t>
+                      </m:r>
+                      <m:r>
+                        <a:rPr lang="en-US" i="1">
+                          <a:latin typeface="Cambria Math" panose="02040503050406030204" pitchFamily="18" charset="0"/>
+                        </a:rPr>
+                        <m:t>𝑐</m:t>
+                      </m:r>
+                      <m:r>
+                        <a:rPr lang="en-US" i="1">
+                          <a:latin typeface="Cambria Math" panose="02040503050406030204" pitchFamily="18" charset="0"/>
+                        </a:rPr>
+                        <m:t>.</m:t>
+                      </m:r>
+                      <m:sSup>
+                        <m:sSupPr>
+                          <m:ctrlPr>
+                            <a:rPr lang="en-US" i="1">
+                              <a:latin typeface="Cambria Math" panose="02040503050406030204" pitchFamily="18" charset="0"/>
+                            </a:rPr>
+                          </m:ctrlPr>
+                        </m:sSupPr>
+                        <m:e>
+                          <m:r>
+                            <a:rPr lang="en-US" i="1">
+                              <a:latin typeface="Cambria Math" panose="02040503050406030204" pitchFamily="18" charset="0"/>
+                            </a:rPr>
+                            <m:t>(1</m:t>
+                          </m:r>
+                          <m:r>
+                            <a:rPr lang="en-US" b="0" i="1" smtClean="0">
+                              <a:latin typeface="Cambria Math" panose="02040503050406030204" pitchFamily="18" charset="0"/>
+                            </a:rPr>
+                            <m:t>−</m:t>
+                          </m:r>
+                          <m:f>
+                            <m:fPr>
+                              <m:ctrlPr>
+                                <a:rPr lang="en-US" i="1">
+                                  <a:latin typeface="Cambria Math" panose="02040503050406030204" pitchFamily="18" charset="0"/>
+                                </a:rPr>
+                              </m:ctrlPr>
+                            </m:fPr>
+                            <m:num>
+                              <m:r>
+                                <a:rPr lang="en-US" b="0" i="1" smtClean="0">
+                                  <a:latin typeface="Cambria Math" panose="02040503050406030204" pitchFamily="18" charset="0"/>
+                                </a:rPr>
+                                <m:t>1</m:t>
+                              </m:r>
+                            </m:num>
+                            <m:den>
+                              <m:r>
+                                <a:rPr lang="en-US" i="1">
+                                  <a:latin typeface="Cambria Math" panose="02040503050406030204" pitchFamily="18" charset="0"/>
+                                </a:rPr>
+                                <m:t>𝑘</m:t>
+                              </m:r>
+                            </m:den>
+                          </m:f>
+                          <m:r>
+                            <a:rPr lang="en-US" i="1">
+                              <a:latin typeface="Cambria Math" panose="02040503050406030204" pitchFamily="18" charset="0"/>
+                            </a:rPr>
+                            <m:t>)</m:t>
+                          </m:r>
+                        </m:e>
+                        <m:sup>
+                          <m:f>
+                            <m:fPr>
+                              <m:ctrlPr>
+                                <a:rPr lang="en-US" i="1">
+                                  <a:latin typeface="Cambria Math" panose="02040503050406030204" pitchFamily="18" charset="0"/>
+                                </a:rPr>
+                              </m:ctrlPr>
+                            </m:fPr>
+                            <m:num>
+                              <m:r>
+                                <a:rPr lang="en-US" i="1">
+                                  <a:latin typeface="Cambria Math" panose="02040503050406030204" pitchFamily="18" charset="0"/>
+                                </a:rPr>
+                                <m:t>1</m:t>
+                              </m:r>
+                            </m:num>
+                            <m:den>
+                              <m:r>
+                                <a:rPr lang="en-US" i="1">
+                                  <a:latin typeface="Cambria Math" panose="02040503050406030204" pitchFamily="18" charset="0"/>
+                                </a:rPr>
+                                <m:t>𝑘</m:t>
+                              </m:r>
+                            </m:den>
+                          </m:f>
+                        </m:sup>
+                      </m:sSup>
+                    </m:oMath>
+                  </m:oMathPara>
+                </a14:m>
+                <a:endParaRPr lang="en-US" dirty="0"/>
+              </a:p>
             </p:txBody>
           </p:sp>
         </mc:Choice>
@@ -4923,13 +5044,13 @@
             </p:nvSpPr>
             <p:spPr>
               <a:xfrm>
-                <a:off x="838200" y="1825625"/>
-                <a:ext cx="6343649" cy="4351338"/>
+                <a:off x="838200" y="1468582"/>
+                <a:ext cx="6102927" cy="5389417"/>
               </a:xfrm>
               <a:blipFill>
                 <a:blip r:embed="rId2"/>
                 <a:stretch>
-                  <a:fillRect l="-2019" t="-2241" r="-769"/>
+                  <a:fillRect l="-2098" t="-1923" r="-1998"/>
                 </a:stretch>
               </a:blipFill>
             </p:spPr>
@@ -4963,12 +5084,17 @@
         </p:blipFill>
         <p:spPr>
           <a:xfrm>
-            <a:off x="7181849" y="1262077"/>
+            <a:off x="7043303" y="1262077"/>
             <a:ext cx="5010151" cy="4473705"/>
           </a:xfrm>
           <a:prstGeom prst="rect">
             <a:avLst/>
           </a:prstGeom>
+          <a:ln>
+            <a:solidFill>
+              <a:schemeClr val="tx1"/>
+            </a:solidFill>
+          </a:ln>
         </p:spPr>
       </p:pic>
     </p:spTree>
@@ -5058,8 +5184,13 @@
             </a:pPr>
             <a:r>
               <a:rPr lang="en-US" dirty="0" smtClean="0"/>
-              <a:t>Horizontal Axis Wind Turbine Energy Conversion Chain:</a:t>
-            </a:r>
+              <a:t>Horizontal Axis Wind Turbine Energy Conversion </a:t>
+            </a:r>
+            <a:r>
+              <a:rPr lang="en-US" dirty="0" smtClean="0"/>
+              <a:t>Chain consists of:</a:t>
+            </a:r>
+            <a:endParaRPr lang="en-US" dirty="0" smtClean="0"/>
           </a:p>
           <a:p>
             <a:pPr marL="514350" indent="-514350">
@@ -5150,12 +5281,17 @@
         </p:blipFill>
         <p:spPr>
           <a:xfrm>
-            <a:off x="6800850" y="1027906"/>
+            <a:off x="6594764" y="1027906"/>
             <a:ext cx="5391150" cy="5372100"/>
           </a:xfrm>
           <a:prstGeom prst="rect">
             <a:avLst/>
           </a:prstGeom>
+          <a:ln>
+            <a:solidFill>
+              <a:schemeClr val="tx1"/>
+            </a:solidFill>
+          </a:ln>
         </p:spPr>
       </p:pic>
     </p:spTree>
@@ -5247,7 +5383,90 @@
                 </a:pPr>
                 <a:r>
                   <a:rPr lang="en-US" dirty="0" smtClean="0"/>
-                  <a:t>Power extracted by Energy </a:t>
+                  <a:t>The Power </a:t>
+                </a:r>
+                <a:r>
+                  <a:rPr lang="en-US" dirty="0" smtClean="0"/>
+                  <a:t>extracted </a:t>
+                </a:r>
+                <a:r>
+                  <a:rPr lang="en-US" dirty="0" smtClean="0"/>
+                  <a:t>from air mass </a:t>
+                </a:r>
+                <a14:m>
+                  <m:oMath xmlns:m="http://schemas.openxmlformats.org/officeDocument/2006/math">
+                    <m:r>
+                      <a:rPr lang="en-US" i="1" smtClean="0">
+                        <a:latin typeface="Cambria Math" panose="02040503050406030204" pitchFamily="18" charset="0"/>
+                        <a:ea typeface="Cambria Math" panose="02040503050406030204" pitchFamily="18" charset="0"/>
+                      </a:rPr>
+                      <m:t>𝜌</m:t>
+                    </m:r>
+                    <m:r>
+                      <a:rPr lang="en-US" b="0" i="1" smtClean="0">
+                        <a:latin typeface="Cambria Math" panose="02040503050406030204" pitchFamily="18" charset="0"/>
+                        <a:ea typeface="Cambria Math" panose="02040503050406030204" pitchFamily="18" charset="0"/>
+                      </a:rPr>
+                      <m:t>𝐴</m:t>
+                    </m:r>
+                    <m:sSub>
+                      <m:sSubPr>
+                        <m:ctrlPr>
+                          <a:rPr lang="en-US" b="0" i="1" smtClean="0">
+                            <a:latin typeface="Cambria Math" panose="02040503050406030204" pitchFamily="18" charset="0"/>
+                            <a:ea typeface="Cambria Math" panose="02040503050406030204" pitchFamily="18" charset="0"/>
+                          </a:rPr>
+                        </m:ctrlPr>
+                      </m:sSubPr>
+                      <m:e>
+                        <m:r>
+                          <a:rPr lang="en-US" b="0" i="1" smtClean="0">
+                            <a:latin typeface="Cambria Math" panose="02040503050406030204" pitchFamily="18" charset="0"/>
+                            <a:ea typeface="Cambria Math" panose="02040503050406030204" pitchFamily="18" charset="0"/>
+                          </a:rPr>
+                          <m:t>𝑣</m:t>
+                        </m:r>
+                      </m:e>
+                      <m:sub>
+                        <m:r>
+                          <a:rPr lang="en-US" b="0" i="1" smtClean="0">
+                            <a:latin typeface="Cambria Math" panose="02040503050406030204" pitchFamily="18" charset="0"/>
+                            <a:ea typeface="Cambria Math" panose="02040503050406030204" pitchFamily="18" charset="0"/>
+                          </a:rPr>
+                          <m:t>𝑜</m:t>
+                        </m:r>
+                      </m:sub>
+                    </m:sSub>
+                    <m:r>
+                      <a:rPr lang="en-US" b="0" i="1" smtClean="0">
+                        <a:latin typeface="Cambria Math" panose="02040503050406030204" pitchFamily="18" charset="0"/>
+                        <a:ea typeface="Cambria Math" panose="02040503050406030204" pitchFamily="18" charset="0"/>
+                      </a:rPr>
+                      <m:t>∆</m:t>
+                    </m:r>
+                    <m:r>
+                      <a:rPr lang="en-US" b="0" i="1" smtClean="0">
+                        <a:latin typeface="Cambria Math" panose="02040503050406030204" pitchFamily="18" charset="0"/>
+                        <a:ea typeface="Cambria Math" panose="02040503050406030204" pitchFamily="18" charset="0"/>
+                      </a:rPr>
+                      <m:t>𝑡</m:t>
+                    </m:r>
+                    <m:r>
+                      <a:rPr lang="en-US" b="0" i="1" smtClean="0">
+                        <a:latin typeface="Cambria Math" panose="02040503050406030204" pitchFamily="18" charset="0"/>
+                        <a:ea typeface="Cambria Math" panose="02040503050406030204" pitchFamily="18" charset="0"/>
+                      </a:rPr>
+                      <m:t> </m:t>
+                    </m:r>
+                  </m:oMath>
+                </a14:m>
+                <a:r>
+                  <a:rPr lang="en-US" dirty="0" smtClean="0"/>
+                  <a:t>by </a:t>
+                </a:r>
+                <a:r>
+                  <a:rPr lang="en-US" dirty="0" smtClean="0"/>
+                  <a:t>Energy </a:t>
                 </a:r>
                 <a:r>
                   <a:rPr lang="en-US" dirty="0"/>
@@ -5258,13 +5477,10 @@
                   <a:t>xtracting Actuator </a:t>
                 </a:r>
                 <a:r>
-                  <a:rPr lang="en-US" dirty="0"/>
-                  <a:t>D</a:t>
+                  <a:rPr lang="en-US" dirty="0" smtClean="0"/>
+                  <a:t>Disc is:</a:t>
                 </a:r>
-                <a:r>
-                  <a:rPr lang="en-US" dirty="0" smtClean="0"/>
-                  <a:t>isc</a:t>
-                </a:r>
+                <a:endParaRPr lang="en-US" dirty="0" smtClean="0"/>
               </a:p>
               <a:p>
                 <a:pPr marL="0" indent="0">
@@ -5405,7 +5621,7 @@
                               <a:latin typeface="Cambria Math" panose="02040503050406030204" pitchFamily="18" charset="0"/>
                               <a:ea typeface="Cambria Math" panose="02040503050406030204" pitchFamily="18" charset="0"/>
                             </a:rPr>
-                            <m:t>𝑢</m:t>
+                            <m:t>h𝑒𝑎𝑑</m:t>
                           </m:r>
                         </m:sub>
                         <m:sup>
@@ -5449,7 +5665,7 @@
                               <a:latin typeface="Cambria Math" panose="02040503050406030204" pitchFamily="18" charset="0"/>
                               <a:ea typeface="Cambria Math" panose="02040503050406030204" pitchFamily="18" charset="0"/>
                             </a:rPr>
-                            <m:t>𝑤</m:t>
+                            <m:t>𝑡𝑎𝑖𝑙</m:t>
                           </m:r>
                         </m:sub>
                         <m:sup>
@@ -5635,7 +5851,11 @@
                 </a:pPr>
                 <a:r>
                   <a:rPr lang="en-US" dirty="0" smtClean="0"/>
-                  <a:t>Power Coefficient </a:t>
+                  <a:t>Where Power </a:t>
+                </a:r>
+                <a:r>
+                  <a:rPr lang="en-US" dirty="0" smtClean="0"/>
+                  <a:t>Coefficient </a:t>
                 </a:r>
                 <a:r>
                   <a:rPr lang="en-US" dirty="0" err="1" smtClean="0"/>
@@ -5644,6 +5864,10 @@
                 <a:r>
                   <a:rPr lang="en-US" sz="2400" dirty="0" err="1" smtClean="0"/>
                   <a:t>p</a:t>
+                </a:r>
+                <a:r>
+                  <a:rPr lang="en-US" sz="2400" dirty="0" smtClean="0"/>
+                  <a:t> is:</a:t>
                 </a:r>
                 <a:endParaRPr lang="en-US" sz="2400" dirty="0" smtClean="0"/>
               </a:p>
@@ -5745,7 +5969,7 @@
                                 <a:rPr lang="en-US" b="0" i="1" smtClean="0">
                                   <a:latin typeface="Cambria Math" panose="02040503050406030204" pitchFamily="18" charset="0"/>
                                 </a:rPr>
-                                <m:t>𝑢</m:t>
+                                <m:t>h𝑒𝑎𝑑</m:t>
                               </m:r>
                             </m:sub>
                           </m:sSub>
@@ -5822,7 +6046,7 @@
                                 <a:rPr lang="en-US" b="0" i="1" smtClean="0">
                                   <a:latin typeface="Cambria Math" panose="02040503050406030204" pitchFamily="18" charset="0"/>
                                 </a:rPr>
-                                <m:t>𝑢</m:t>
+                                <m:t>h𝑒𝑎𝑑</m:t>
                               </m:r>
                             </m:sub>
                             <m:sup>
@@ -5910,6 +6134,11 @@
           <a:prstGeom prst="rect">
             <a:avLst/>
           </a:prstGeom>
+          <a:ln>
+            <a:solidFill>
+              <a:schemeClr val="tx1"/>
+            </a:solidFill>
+          </a:ln>
         </p:spPr>
       </p:pic>
       <p:pic>
@@ -5935,13 +6164,18 @@
         </p:blipFill>
         <p:spPr bwMode="auto">
           <a:xfrm>
-            <a:off x="8856230" y="4001294"/>
+            <a:off x="8856230" y="4153694"/>
             <a:ext cx="1784061" cy="2585479"/>
           </a:xfrm>
           <a:prstGeom prst="rect">
             <a:avLst/>
           </a:prstGeom>
           <a:noFill/>
+          <a:ln>
+            <a:solidFill>
+              <a:schemeClr val="tx1"/>
+            </a:solidFill>
+          </a:ln>
           <a:extLst>
             <a:ext uri="{909E8E84-426E-40DD-AFC4-6F175D3DCCD1}">
               <a14:hiddenFill xmlns:a14="http://schemas.microsoft.com/office/drawing/2010/main">
@@ -6028,28 +6262,23 @@
             <p:spPr>
               <a:xfrm>
                 <a:off x="838200" y="1825625"/>
-                <a:ext cx="6573982" cy="4351338"/>
+                <a:ext cx="6089073" cy="4351338"/>
               </a:xfrm>
             </p:spPr>
             <p:txBody>
               <a:bodyPr/>
               <a:lstStyle/>
               <a:p>
+                <a:pPr marL="0" indent="0">
+                  <a:buNone/>
+                </a:pPr>
                 <a:r>
                   <a:rPr lang="en-US" dirty="0" smtClean="0"/>
-                  <a:t>Power Coefficient </a:t>
-                </a:r>
-                <a:r>
-                  <a:rPr lang="en-US" dirty="0" err="1" smtClean="0"/>
-                  <a:t>C</a:t>
-                </a:r>
-                <a:r>
-                  <a:rPr lang="en-US" sz="2400" dirty="0" err="1" smtClean="0"/>
-                  <a:t>p</a:t>
+                  <a:t>Tip </a:t>
                 </a:r>
                 <a:r>
                   <a:rPr lang="en-US" dirty="0" smtClean="0"/>
-                  <a:t>(</a:t>
+                  <a:t>Speed Ratio </a:t>
                 </a:r>
                 <a:r>
                   <a:rPr lang="el-GR" dirty="0" smtClean="0"/>
@@ -6057,15 +6286,7 @@
                 </a:r>
                 <a:r>
                   <a:rPr lang="en-US" dirty="0" smtClean="0"/>
-                  <a:t>) performance curve with respect to </a:t>
-                </a:r>
-                <a:r>
-                  <a:rPr lang="en-US" dirty="0" smtClean="0"/>
-                  <a:t>Tip Speed Ratio </a:t>
-                </a:r>
-                <a:r>
-                  <a:rPr lang="el-GR" dirty="0" smtClean="0"/>
-                  <a:t>λ</a:t>
+                  <a:t> is:</a:t>
                 </a:r>
                 <a:endParaRPr lang="en-US" dirty="0" smtClean="0"/>
               </a:p>
@@ -6177,13 +6398,51 @@
                 <a:pPr marL="0" indent="0">
                   <a:buNone/>
                 </a:pPr>
+                <a:endParaRPr lang="en-US" dirty="0" smtClean="0"/>
+              </a:p>
+              <a:p>
+                <a:pPr marL="0" indent="0" algn="just">
+                  <a:buNone/>
+                </a:pPr>
+                <a:r>
+                  <a:rPr lang="en-US" dirty="0" smtClean="0"/>
+                  <a:t>Power </a:t>
+                </a:r>
                 <a:r>
                   <a:rPr lang="en-US" dirty="0"/>
-                  <a:t>M</a:t>
+                  <a:t>Coefficient </a:t>
+                </a:r>
+                <a:r>
+                  <a:rPr lang="en-US" dirty="0" err="1"/>
+                  <a:t>C</a:t>
+                </a:r>
+                <a:r>
+                  <a:rPr lang="en-US" sz="2400" dirty="0" err="1"/>
+                  <a:t>p</a:t>
+                </a:r>
+                <a:r>
+                  <a:rPr lang="en-US" dirty="0"/>
+                  <a:t>(</a:t>
+                </a:r>
+                <a:r>
+                  <a:rPr lang="el-GR" dirty="0"/>
+                  <a:t>λ</a:t>
+                </a:r>
+                <a:r>
+                  <a:rPr lang="en-US" dirty="0"/>
+                  <a:t>) performance </a:t>
                 </a:r>
                 <a:r>
                   <a:rPr lang="en-US" dirty="0" smtClean="0"/>
-                  <a:t>aximum value of </a:t>
+                  <a:t>curve shows that the </a:t>
+                </a:r>
+                <a:r>
+                  <a:rPr lang="en-US" dirty="0" smtClean="0"/>
+                  <a:t>Maximum </a:t>
+                </a:r>
+                <a:r>
+                  <a:rPr lang="en-US" dirty="0" smtClean="0"/>
+                  <a:t>value of </a:t>
                 </a:r>
                 <a:r>
                   <a:rPr lang="en-US" dirty="0" err="1" smtClean="0"/>
@@ -6199,7 +6458,11 @@
                 </a:r>
                 <a:r>
                   <a:rPr lang="en-US" dirty="0" smtClean="0"/>
-                  <a:t>is 0.59 at</a:t>
+                  <a:t>occurs </a:t>
+                </a:r>
+                <a:r>
+                  <a:rPr lang="en-US" dirty="0" smtClean="0"/>
+                  <a:t>at</a:t>
                 </a:r>
                 <a14:m>
                   <m:oMath xmlns:m="http://schemas.openxmlformats.org/officeDocument/2006/math">
@@ -6242,7 +6505,35 @@
                 </a14:m>
                 <a:r>
                   <a:rPr lang="en-US" dirty="0" smtClean="0"/>
-                  <a:t>. This is known as the Betz limit.</a:t>
+                  <a:t>. </a:t>
+                </a:r>
+                <a:r>
+                  <a:rPr lang="en-US" dirty="0" smtClean="0"/>
+                  <a:t>It is lower than the Betz </a:t>
+                </a:r>
+                <a:r>
+                  <a:rPr lang="en-US" dirty="0"/>
+                  <a:t>limit (</a:t>
+                </a:r>
+                <a:r>
+                  <a:rPr lang="en-US" dirty="0" err="1" smtClean="0"/>
+                  <a:t>C</a:t>
+                </a:r>
+                <a:r>
+                  <a:rPr lang="en-US" sz="2400" dirty="0" err="1" smtClean="0"/>
+                  <a:t>pmax</a:t>
+                </a:r>
+                <a:r>
+                  <a:rPr lang="en-US" sz="2400" dirty="0" smtClean="0"/>
+                  <a:t> </a:t>
+                </a:r>
+                <a:r>
+                  <a:rPr lang="en-US" dirty="0" smtClean="0"/>
+                  <a:t>= 0.59</a:t>
+                </a:r>
+                <a:r>
+                  <a:rPr lang="en-US" dirty="0" smtClean="0"/>
+                  <a:t>).</a:t>
                 </a:r>
                 <a:endParaRPr lang="en-US" dirty="0"/>
               </a:p>
@@ -6263,12 +6554,12 @@
             <p:spPr>
               <a:xfrm>
                 <a:off x="838200" y="1825625"/>
-                <a:ext cx="6573982" cy="4351338"/>
+                <a:ext cx="6089073" cy="4351338"/>
               </a:xfrm>
               <a:blipFill>
                 <a:blip r:embed="rId2"/>
                 <a:stretch>
-                  <a:fillRect l="-1948" t="-2241" r="-1020"/>
+                  <a:fillRect l="-2104" t="-2241" r="-2104"/>
                 </a:stretch>
               </a:blipFill>
             </p:spPr>
@@ -6303,12 +6594,17 @@
         </p:blipFill>
         <p:spPr>
           <a:xfrm>
-            <a:off x="7239475" y="1923618"/>
-            <a:ext cx="4952525" cy="4253345"/>
+            <a:off x="7308747" y="1825625"/>
+            <a:ext cx="4758561" cy="4086764"/>
           </a:xfrm>
           <a:prstGeom prst="rect">
             <a:avLst/>
           </a:prstGeom>
+          <a:ln>
+            <a:solidFill>
+              <a:schemeClr val="tx1"/>
+            </a:solidFill>
+          </a:ln>
         </p:spPr>
       </p:pic>
     </p:spTree>
@@ -6365,7 +6661,7 @@
           <a:p>
             <a:r>
               <a:rPr lang="en-US" dirty="0" smtClean="0"/>
-              <a:t>Wind Turbine Aerodynamics </a:t>
+              <a:t>Drive Train</a:t>
             </a:r>
             <a:endParaRPr lang="en-US" dirty="0"/>
           </a:p>
@@ -6386,61 +6682,14 @@
           <a:bodyPr/>
           <a:lstStyle/>
           <a:p>
-            <a:pPr marL="0" indent="0">
-              <a:buNone/>
-            </a:pPr>
-            <a:r>
-              <a:rPr lang="en-US" dirty="0" smtClean="0"/>
-              <a:t>Output Power vs. Wind </a:t>
-            </a:r>
-            <a:r>
-              <a:rPr lang="en-US" dirty="0"/>
-              <a:t>S</a:t>
-            </a:r>
-            <a:r>
-              <a:rPr lang="en-US" dirty="0" smtClean="0"/>
-              <a:t>peed </a:t>
-            </a:r>
-            <a:r>
-              <a:rPr lang="en-US" dirty="0"/>
-              <a:t>C</a:t>
-            </a:r>
-            <a:r>
-              <a:rPr lang="en-US" dirty="0" smtClean="0"/>
-              <a:t>haracteristic</a:t>
-            </a:r>
-            <a:endParaRPr lang="en-US" dirty="0"/>
-          </a:p>
-        </p:txBody>
-      </p:sp>
-      <p:pic>
-        <p:nvPicPr>
-          <p:cNvPr id="4" name="Picture 3"/>
-          <p:cNvPicPr>
-            <a:picLocks noChangeAspect="1"/>
-          </p:cNvPicPr>
-          <p:nvPr/>
-        </p:nvPicPr>
-        <p:blipFill>
-          <a:blip r:embed="rId2"/>
-          <a:stretch>
-            <a:fillRect/>
-          </a:stretch>
-        </p:blipFill>
-        <p:spPr>
-          <a:xfrm>
-            <a:off x="1868769" y="2604655"/>
-            <a:ext cx="8454462" cy="3572308"/>
-          </a:xfrm>
-          <a:prstGeom prst="rect">
-            <a:avLst/>
-          </a:prstGeom>
-        </p:spPr>
-      </p:pic>
+            <a:endParaRPr lang="en-US"/>
+          </a:p>
+        </p:txBody>
+      </p:sp>
     </p:spTree>
     <p:extLst>
       <p:ext uri="{BB962C8B-B14F-4D97-AF65-F5344CB8AC3E}">
-        <p14:creationId xmlns:p14="http://schemas.microsoft.com/office/powerpoint/2010/main" val="1240402645"/>
+        <p14:creationId xmlns:p14="http://schemas.microsoft.com/office/powerpoint/2010/main" val="770350001"/>
       </p:ext>
     </p:extLst>
   </p:cSld>
@@ -6484,14 +6733,19 @@
             <p:ph type="title"/>
           </p:nvPr>
         </p:nvSpPr>
-        <p:spPr/>
+        <p:spPr>
+          <a:xfrm>
+            <a:off x="838200" y="365125"/>
+            <a:ext cx="4980709" cy="1325563"/>
+          </a:xfrm>
+        </p:spPr>
         <p:txBody>
           <a:bodyPr/>
           <a:lstStyle/>
           <a:p>
             <a:r>
               <a:rPr lang="en-US" dirty="0" smtClean="0"/>
-              <a:t>Drive Train</a:t>
+              <a:t>Power Generation System</a:t>
             </a:r>
             <a:endParaRPr lang="en-US" dirty="0"/>
           </a:p>
@@ -6507,19 +6761,122 @@
             <p:ph idx="1"/>
           </p:nvPr>
         </p:nvSpPr>
-        <p:spPr/>
+        <p:spPr>
+          <a:xfrm>
+            <a:off x="838200" y="1825625"/>
+            <a:ext cx="4361585" cy="4351338"/>
+          </a:xfrm>
+        </p:spPr>
         <p:txBody>
           <a:bodyPr/>
           <a:lstStyle/>
           <a:p>
-            <a:endParaRPr lang="en-US"/>
-          </a:p>
-        </p:txBody>
-      </p:sp>
+            <a:pPr marL="0" indent="0">
+              <a:buNone/>
+            </a:pPr>
+            <a:r>
+              <a:rPr lang="en-US" dirty="0" smtClean="0"/>
+              <a:t>Fixed-speed WECS: </a:t>
+            </a:r>
+          </a:p>
+          <a:p>
+            <a:pPr marL="514350" indent="-514350">
+              <a:buFont typeface="+mj-lt"/>
+              <a:buAutoNum type="arabicPeriod"/>
+            </a:pPr>
+            <a:r>
+              <a:rPr lang="en-US" dirty="0" smtClean="0"/>
+              <a:t>General structure of a fixed-speed WECS </a:t>
+            </a:r>
+            <a:r>
+              <a:rPr lang="en-US" dirty="0" smtClean="0"/>
+              <a:t>(Squirrel Cage Induction Generator)</a:t>
+            </a:r>
+            <a:endParaRPr lang="en-US" dirty="0" smtClean="0"/>
+          </a:p>
+          <a:p>
+            <a:pPr marL="514350" indent="-514350">
+              <a:buFont typeface="+mj-lt"/>
+              <a:buAutoNum type="arabicPeriod"/>
+            </a:pPr>
+            <a:r>
+              <a:rPr lang="en-US" dirty="0" smtClean="0"/>
+              <a:t>General structure of a limited variable-speed WECS </a:t>
+            </a:r>
+            <a:r>
+              <a:rPr lang="en-US" dirty="0" smtClean="0"/>
+              <a:t>(Wound Rotor </a:t>
+            </a:r>
+            <a:r>
+              <a:rPr lang="en-US" dirty="0"/>
+              <a:t>Induction Generator)</a:t>
+            </a:r>
+            <a:endParaRPr lang="en-US" dirty="0" smtClean="0"/>
+          </a:p>
+        </p:txBody>
+      </p:sp>
+      <p:pic>
+        <p:nvPicPr>
+          <p:cNvPr id="4" name="Picture 3"/>
+          <p:cNvPicPr>
+            <a:picLocks noChangeAspect="1"/>
+          </p:cNvPicPr>
+          <p:nvPr/>
+        </p:nvPicPr>
+        <p:blipFill>
+          <a:blip r:embed="rId2"/>
+          <a:stretch>
+            <a:fillRect/>
+          </a:stretch>
+        </p:blipFill>
+        <p:spPr>
+          <a:xfrm>
+            <a:off x="5366038" y="238429"/>
+            <a:ext cx="6524625" cy="3174392"/>
+          </a:xfrm>
+          <a:prstGeom prst="rect">
+            <a:avLst/>
+          </a:prstGeom>
+          <a:ln>
+            <a:solidFill>
+              <a:schemeClr val="tx1"/>
+            </a:solidFill>
+          </a:ln>
+        </p:spPr>
+      </p:pic>
+      <p:pic>
+        <p:nvPicPr>
+          <p:cNvPr id="5" name="Picture 4"/>
+          <p:cNvPicPr>
+            <a:picLocks noChangeAspect="1"/>
+          </p:cNvPicPr>
+          <p:nvPr/>
+        </p:nvPicPr>
+        <p:blipFill>
+          <a:blip r:embed="rId3"/>
+          <a:stretch>
+            <a:fillRect/>
+          </a:stretch>
+        </p:blipFill>
+        <p:spPr>
+          <a:xfrm>
+            <a:off x="5366038" y="3412821"/>
+            <a:ext cx="6524625" cy="3362325"/>
+          </a:xfrm>
+          <a:prstGeom prst="rect">
+            <a:avLst/>
+          </a:prstGeom>
+          <a:ln>
+            <a:solidFill>
+              <a:schemeClr val="tx1"/>
+            </a:solidFill>
+          </a:ln>
+        </p:spPr>
+      </p:pic>
     </p:spTree>
     <p:extLst>
       <p:ext uri="{BB962C8B-B14F-4D97-AF65-F5344CB8AC3E}">
-        <p14:creationId xmlns:p14="http://schemas.microsoft.com/office/powerpoint/2010/main" val="770350001"/>
+        <p14:creationId xmlns:p14="http://schemas.microsoft.com/office/powerpoint/2010/main" val="2444036257"/>
       </p:ext>
     </p:extLst>
   </p:cSld>
@@ -6566,7 +6923,7 @@
         <p:spPr>
           <a:xfrm>
             <a:off x="838200" y="365125"/>
-            <a:ext cx="4980709" cy="1325563"/>
+            <a:ext cx="4562475" cy="1325563"/>
           </a:xfrm>
         </p:spPr>
         <p:txBody>
@@ -6594,7 +6951,7 @@
         <p:spPr>
           <a:xfrm>
             <a:off x="838200" y="1825625"/>
-            <a:ext cx="4361585" cy="4351338"/>
+            <a:ext cx="4667250" cy="4351338"/>
           </a:xfrm>
         </p:spPr>
         <p:txBody>
@@ -6606,7 +6963,7 @@
             </a:pPr>
             <a:r>
               <a:rPr lang="en-US" dirty="0" smtClean="0"/>
-              <a:t>Fixed-speed WECS: </a:t>
+              <a:t>Variable-speed WECS:</a:t>
             </a:r>
           </a:p>
           <a:p>
@@ -6616,8 +6973,17 @@
             </a:pPr>
             <a:r>
               <a:rPr lang="en-US" dirty="0" smtClean="0"/>
-              <a:t>General structure of a fixed-speed WECS </a:t>
-            </a:r>
+              <a:t>General structure of an improved variable-speed WECS </a:t>
+            </a:r>
+            <a:r>
+              <a:rPr lang="en-US" dirty="0" smtClean="0"/>
+              <a:t>(Doubly Fed </a:t>
+            </a:r>
+            <a:r>
+              <a:rPr lang="en-US" dirty="0"/>
+              <a:t>Induction Generator)</a:t>
+            </a:r>
+            <a:endParaRPr lang="en-US" dirty="0" smtClean="0"/>
           </a:p>
           <a:p>
             <a:pPr marL="514350" indent="-514350">
@@ -6626,8 +6992,25 @@
             </a:pPr>
             <a:r>
               <a:rPr lang="en-US" dirty="0" smtClean="0"/>
-              <a:t>General structure of a limited variable-speed WECS </a:t>
-            </a:r>
+              <a:t>General structure of a full variable-speed </a:t>
+            </a:r>
+            <a:r>
+              <a:rPr lang="en-US" dirty="0"/>
+              <a:t>WECS (Squirrel Cage Induction </a:t>
+            </a:r>
+            <a:r>
+              <a:rPr lang="en-US" dirty="0" smtClean="0"/>
+              <a:t>Generator or Synchronous </a:t>
+            </a:r>
+            <a:r>
+              <a:rPr lang="en-US" dirty="0"/>
+              <a:t>Generator</a:t>
+            </a:r>
+            <a:r>
+              <a:rPr lang="en-US" dirty="0" smtClean="0"/>
+              <a:t>)</a:t>
+            </a:r>
+            <a:endParaRPr lang="en-US" dirty="0"/>
           </a:p>
         </p:txBody>
       </p:sp>
@@ -6647,12 +7030,17 @@
         </p:blipFill>
         <p:spPr>
           <a:xfrm>
-            <a:off x="5476875" y="365125"/>
-            <a:ext cx="6715125" cy="3267075"/>
+            <a:off x="5505449" y="342628"/>
+            <a:ext cx="6581775" cy="3257550"/>
           </a:xfrm>
           <a:prstGeom prst="rect">
             <a:avLst/>
           </a:prstGeom>
+          <a:ln>
+            <a:solidFill>
+              <a:schemeClr val="tx1"/>
+            </a:solidFill>
+          </a:ln>
         </p:spPr>
       </p:pic>
       <p:pic>
@@ -6671,18 +7059,23 @@
         </p:blipFill>
         <p:spPr>
           <a:xfrm>
-            <a:off x="5667375" y="3559318"/>
-            <a:ext cx="6524625" cy="3362325"/>
+            <a:off x="5505449" y="3600178"/>
+            <a:ext cx="6581775" cy="3047118"/>
           </a:xfrm>
           <a:prstGeom prst="rect">
             <a:avLst/>
           </a:prstGeom>
+          <a:ln>
+            <a:solidFill>
+              <a:schemeClr val="tx1"/>
+            </a:solidFill>
+          </a:ln>
         </p:spPr>
       </p:pic>
     </p:spTree>
     <p:extLst>
       <p:ext uri="{BB962C8B-B14F-4D97-AF65-F5344CB8AC3E}">
-        <p14:creationId xmlns:p14="http://schemas.microsoft.com/office/powerpoint/2010/main" val="2444036257"/>
+        <p14:creationId xmlns:p14="http://schemas.microsoft.com/office/powerpoint/2010/main" val="1497493673"/>
       </p:ext>
     </p:extLst>
   </p:cSld>

--- a/Wind Energy Conversion Systems/WECS.pptx
+++ b/Wind Energy Conversion Systems/WECS.pptx
@@ -5,7 +5,7 @@
     <p:sldMasterId id="2147483648" r:id="rId1"/>
   </p:sldMasterIdLst>
   <p:notesMasterIdLst>
-    <p:notesMasterId r:id="rId14"/>
+    <p:notesMasterId r:id="rId13"/>
   </p:notesMasterIdLst>
   <p:sldIdLst>
     <p:sldId id="256" r:id="rId2"/>
@@ -14,12 +14,11 @@
     <p:sldId id="258" r:id="rId5"/>
     <p:sldId id="259" r:id="rId6"/>
     <p:sldId id="268" r:id="rId7"/>
-    <p:sldId id="260" r:id="rId8"/>
-    <p:sldId id="261" r:id="rId9"/>
-    <p:sldId id="265" r:id="rId10"/>
-    <p:sldId id="262" r:id="rId11"/>
-    <p:sldId id="264" r:id="rId12"/>
-    <p:sldId id="267" r:id="rId13"/>
+    <p:sldId id="261" r:id="rId8"/>
+    <p:sldId id="265" r:id="rId9"/>
+    <p:sldId id="262" r:id="rId10"/>
+    <p:sldId id="264" r:id="rId11"/>
+    <p:sldId id="267" r:id="rId12"/>
   </p:sldIdLst>
   <p:sldSz cx="12192000" cy="6858000"/>
   <p:notesSz cx="6858000" cy="9144000"/>
@@ -208,7 +207,7 @@
           <a:p>
             <a:fld id="{DAC47E2E-88AB-4150-A5F1-099A16181900}" type="datetimeFigureOut">
               <a:rPr lang="en-US" smtClean="0"/>
-              <a:t>26-Feb-19</a:t>
+              <a:t>28-Feb-19</a:t>
             </a:fld>
             <a:endParaRPr lang="en-US"/>
           </a:p>
@@ -691,7 +690,7 @@
           <a:p>
             <a:fld id="{3EAAC474-8B68-4C50-A58A-921854227403}" type="datetimeFigureOut">
               <a:rPr lang="en-US" smtClean="0"/>
-              <a:t>26-Feb-19</a:t>
+              <a:t>28-Feb-19</a:t>
             </a:fld>
             <a:endParaRPr lang="en-US"/>
           </a:p>
@@ -861,7 +860,7 @@
           <a:p>
             <a:fld id="{3EAAC474-8B68-4C50-A58A-921854227403}" type="datetimeFigureOut">
               <a:rPr lang="en-US" smtClean="0"/>
-              <a:t>26-Feb-19</a:t>
+              <a:t>28-Feb-19</a:t>
             </a:fld>
             <a:endParaRPr lang="en-US"/>
           </a:p>
@@ -1041,7 +1040,7 @@
           <a:p>
             <a:fld id="{3EAAC474-8B68-4C50-A58A-921854227403}" type="datetimeFigureOut">
               <a:rPr lang="en-US" smtClean="0"/>
-              <a:t>26-Feb-19</a:t>
+              <a:t>28-Feb-19</a:t>
             </a:fld>
             <a:endParaRPr lang="en-US"/>
           </a:p>
@@ -1211,7 +1210,7 @@
           <a:p>
             <a:fld id="{3EAAC474-8B68-4C50-A58A-921854227403}" type="datetimeFigureOut">
               <a:rPr lang="en-US" smtClean="0"/>
-              <a:t>26-Feb-19</a:t>
+              <a:t>28-Feb-19</a:t>
             </a:fld>
             <a:endParaRPr lang="en-US"/>
           </a:p>
@@ -1457,7 +1456,7 @@
           <a:p>
             <a:fld id="{3EAAC474-8B68-4C50-A58A-921854227403}" type="datetimeFigureOut">
               <a:rPr lang="en-US" smtClean="0"/>
-              <a:t>26-Feb-19</a:t>
+              <a:t>28-Feb-19</a:t>
             </a:fld>
             <a:endParaRPr lang="en-US"/>
           </a:p>
@@ -1689,7 +1688,7 @@
           <a:p>
             <a:fld id="{3EAAC474-8B68-4C50-A58A-921854227403}" type="datetimeFigureOut">
               <a:rPr lang="en-US" smtClean="0"/>
-              <a:t>26-Feb-19</a:t>
+              <a:t>28-Feb-19</a:t>
             </a:fld>
             <a:endParaRPr lang="en-US"/>
           </a:p>
@@ -2056,7 +2055,7 @@
           <a:p>
             <a:fld id="{3EAAC474-8B68-4C50-A58A-921854227403}" type="datetimeFigureOut">
               <a:rPr lang="en-US" smtClean="0"/>
-              <a:t>26-Feb-19</a:t>
+              <a:t>28-Feb-19</a:t>
             </a:fld>
             <a:endParaRPr lang="en-US"/>
           </a:p>
@@ -2174,7 +2173,7 @@
           <a:p>
             <a:fld id="{3EAAC474-8B68-4C50-A58A-921854227403}" type="datetimeFigureOut">
               <a:rPr lang="en-US" smtClean="0"/>
-              <a:t>26-Feb-19</a:t>
+              <a:t>28-Feb-19</a:t>
             </a:fld>
             <a:endParaRPr lang="en-US"/>
           </a:p>
@@ -2269,7 +2268,7 @@
           <a:p>
             <a:fld id="{3EAAC474-8B68-4C50-A58A-921854227403}" type="datetimeFigureOut">
               <a:rPr lang="en-US" smtClean="0"/>
-              <a:t>26-Feb-19</a:t>
+              <a:t>28-Feb-19</a:t>
             </a:fld>
             <a:endParaRPr lang="en-US"/>
           </a:p>
@@ -2546,7 +2545,7 @@
           <a:p>
             <a:fld id="{3EAAC474-8B68-4C50-A58A-921854227403}" type="datetimeFigureOut">
               <a:rPr lang="en-US" smtClean="0"/>
-              <a:t>26-Feb-19</a:t>
+              <a:t>28-Feb-19</a:t>
             </a:fld>
             <a:endParaRPr lang="en-US"/>
           </a:p>
@@ -2799,7 +2798,7 @@
           <a:p>
             <a:fld id="{3EAAC474-8B68-4C50-A58A-921854227403}" type="datetimeFigureOut">
               <a:rPr lang="en-US" smtClean="0"/>
-              <a:t>26-Feb-19</a:t>
+              <a:t>28-Feb-19</a:t>
             </a:fld>
             <a:endParaRPr lang="en-US"/>
           </a:p>
@@ -3012,7 +3011,7 @@
           <a:p>
             <a:fld id="{3EAAC474-8B68-4C50-A58A-921854227403}" type="datetimeFigureOut">
               <a:rPr lang="en-US" smtClean="0"/>
-              <a:t>26-Feb-19</a:t>
+              <a:t>28-Feb-19</a:t>
             </a:fld>
             <a:endParaRPr lang="en-US"/>
           </a:p>
@@ -3516,183 +3515,6 @@
             <p:ph type="title"/>
           </p:nvPr>
         </p:nvSpPr>
-        <p:spPr>
-          <a:xfrm>
-            <a:off x="838200" y="365125"/>
-            <a:ext cx="9871364" cy="1325563"/>
-          </a:xfrm>
-        </p:spPr>
-        <p:txBody>
-          <a:bodyPr/>
-          <a:lstStyle/>
-          <a:p>
-            <a:r>
-              <a:rPr lang="en-US" dirty="0" smtClean="0"/>
-              <a:t>Wind Turbine Generators in Hybrid Power Systems</a:t>
-            </a:r>
-            <a:endParaRPr lang="en-US" dirty="0"/>
-          </a:p>
-        </p:txBody>
-      </p:sp>
-      <p:sp>
-        <p:nvSpPr>
-          <p:cNvPr id="3" name="Content Placeholder 2"/>
-          <p:cNvSpPr>
-            <a:spLocks noGrp="1"/>
-          </p:cNvSpPr>
-          <p:nvPr>
-            <p:ph idx="1"/>
-          </p:nvPr>
-        </p:nvSpPr>
-        <p:spPr>
-          <a:xfrm>
-            <a:off x="838201" y="1825625"/>
-            <a:ext cx="4800600" cy="4351338"/>
-          </a:xfrm>
-        </p:spPr>
-        <p:txBody>
-          <a:bodyPr>
-            <a:normAutofit lnSpcReduction="10000"/>
-          </a:bodyPr>
-          <a:lstStyle/>
-          <a:p>
-            <a:pPr marL="0" indent="0">
-              <a:buNone/>
-            </a:pPr>
-            <a:r>
-              <a:rPr lang="en-US" dirty="0" smtClean="0"/>
-              <a:t>AC-coupled hybrid generation system:</a:t>
-            </a:r>
-          </a:p>
-          <a:p>
-            <a:pPr marL="514350" indent="-514350">
-              <a:buFont typeface="+mj-lt"/>
-              <a:buAutoNum type="arabicPeriod"/>
-            </a:pPr>
-            <a:r>
-              <a:rPr lang="en-US" dirty="0" smtClean="0"/>
-              <a:t>Generators (Wind Turbine Generator, Diesel Power Plant)</a:t>
-            </a:r>
-          </a:p>
-          <a:p>
-            <a:pPr marL="514350" indent="-514350">
-              <a:buFont typeface="+mj-lt"/>
-              <a:buAutoNum type="arabicPeriod"/>
-            </a:pPr>
-            <a:r>
-              <a:rPr lang="en-US" dirty="0" smtClean="0"/>
-              <a:t>AC Bus</a:t>
-            </a:r>
-          </a:p>
-          <a:p>
-            <a:pPr marL="514350" indent="-514350">
-              <a:buFont typeface="+mj-lt"/>
-              <a:buAutoNum type="arabicPeriod"/>
-            </a:pPr>
-            <a:r>
-              <a:rPr lang="en-US" dirty="0" smtClean="0"/>
-              <a:t>Energy Storage (Accumulator, Flywheel)</a:t>
-            </a:r>
-          </a:p>
-          <a:p>
-            <a:pPr marL="514350" indent="-514350">
-              <a:buFont typeface="+mj-lt"/>
-              <a:buAutoNum type="arabicPeriod"/>
-            </a:pPr>
-            <a:r>
-              <a:rPr lang="en-US" dirty="0" smtClean="0"/>
-              <a:t>Loads</a:t>
-            </a:r>
-          </a:p>
-          <a:p>
-            <a:pPr marL="514350" indent="-514350">
-              <a:buFont typeface="+mj-lt"/>
-              <a:buAutoNum type="arabicPeriod"/>
-            </a:pPr>
-            <a:r>
-              <a:rPr lang="en-US" dirty="0" smtClean="0"/>
-              <a:t>Control System</a:t>
-            </a:r>
-            <a:endParaRPr lang="en-US" dirty="0"/>
-          </a:p>
-        </p:txBody>
-      </p:sp>
-      <p:pic>
-        <p:nvPicPr>
-          <p:cNvPr id="4" name="Picture 3"/>
-          <p:cNvPicPr>
-            <a:picLocks noChangeAspect="1"/>
-          </p:cNvPicPr>
-          <p:nvPr/>
-        </p:nvPicPr>
-        <p:blipFill>
-          <a:blip r:embed="rId2"/>
-          <a:stretch>
-            <a:fillRect/>
-          </a:stretch>
-        </p:blipFill>
-        <p:spPr>
-          <a:xfrm>
-            <a:off x="5773882" y="1027906"/>
-            <a:ext cx="6315075" cy="5591175"/>
-          </a:xfrm>
-          <a:prstGeom prst="rect">
-            <a:avLst/>
-          </a:prstGeom>
-          <a:ln>
-            <a:solidFill>
-              <a:schemeClr val="tx1"/>
-            </a:solidFill>
-          </a:ln>
-        </p:spPr>
-      </p:pic>
-    </p:spTree>
-    <p:extLst>
-      <p:ext uri="{BB962C8B-B14F-4D97-AF65-F5344CB8AC3E}">
-        <p14:creationId xmlns:p14="http://schemas.microsoft.com/office/powerpoint/2010/main" val="770639808"/>
-      </p:ext>
-    </p:extLst>
-  </p:cSld>
-  <p:clrMapOvr>
-    <a:masterClrMapping/>
-  </p:clrMapOvr>
-  <p:timing>
-    <p:tnLst>
-      <p:par>
-        <p:cTn id="1" dur="indefinite" restart="never" nodeType="tmRoot"/>
-      </p:par>
-    </p:tnLst>
-  </p:timing>
-</p:sld>
-</file>
-
-<file path=ppt/slides/slide11.xml><?xml version="1.0" encoding="utf-8"?>
-<p:sld xmlns:a="http://schemas.openxmlformats.org/drawingml/2006/main" xmlns:r="http://schemas.openxmlformats.org/officeDocument/2006/relationships" xmlns:p="http://schemas.openxmlformats.org/presentationml/2006/main">
-  <p:cSld>
-    <p:spTree>
-      <p:nvGrpSpPr>
-        <p:cNvPr id="1" name=""/>
-        <p:cNvGrpSpPr/>
-        <p:nvPr/>
-      </p:nvGrpSpPr>
-      <p:grpSpPr>
-        <a:xfrm>
-          <a:off x="0" y="0"/>
-          <a:ext cx="0" cy="0"/>
-          <a:chOff x="0" y="0"/>
-          <a:chExt cx="0" cy="0"/>
-        </a:xfrm>
-      </p:grpSpPr>
-      <p:sp>
-        <p:nvSpPr>
-          <p:cNvPr id="2" name="Title 1"/>
-          <p:cNvSpPr>
-            <a:spLocks noGrp="1"/>
-          </p:cNvSpPr>
-          <p:nvPr>
-            <p:ph type="title"/>
-          </p:nvPr>
-        </p:nvSpPr>
         <p:spPr/>
         <p:txBody>
           <a:bodyPr/>
@@ -3851,7 +3673,7 @@
 </p:sld>
 </file>
 
-<file path=ppt/slides/slide12.xml><?xml version="1.0" encoding="utf-8"?>
+<file path=ppt/slides/slide11.xml><?xml version="1.0" encoding="utf-8"?>
 <p:sld xmlns:a="http://schemas.openxmlformats.org/drawingml/2006/main" xmlns:r="http://schemas.openxmlformats.org/officeDocument/2006/relationships" xmlns:p="http://schemas.openxmlformats.org/presentationml/2006/main">
   <p:cSld>
     <p:spTree>
@@ -3887,7 +3709,6 @@
               <a:rPr lang="en-US" dirty="0"/>
               <a:t>Control Objectives </a:t>
             </a:r>
-            <a:endParaRPr lang="en-US" dirty="0"/>
           </a:p>
         </p:txBody>
       </p:sp>
@@ -3911,7 +3732,7 @@
           <a:bodyPr/>
           <a:lstStyle/>
           <a:p>
-            <a:pPr marL="514350" indent="-514350">
+            <a:pPr marL="514350" indent="-514350" algn="just">
               <a:buFont typeface="+mj-lt"/>
               <a:buAutoNum type="arabicPeriod"/>
             </a:pPr>
@@ -3929,15 +3750,15 @@
             </a:r>
             <a:r>
               <a:rPr lang="en-US" dirty="0"/>
-              <a:t>through pitch </a:t>
+              <a:t>through </a:t>
             </a:r>
             <a:r>
               <a:rPr lang="en-US" dirty="0" smtClean="0"/>
-              <a:t>control </a:t>
-            </a:r>
-          </a:p>
-          <a:p>
-            <a:pPr marL="514350" indent="-514350">
+              <a:t>pitch/ stall control </a:t>
+            </a:r>
+          </a:p>
+          <a:p>
+            <a:pPr marL="514350" indent="-514350" algn="just">
               <a:buFont typeface="+mj-lt"/>
               <a:buAutoNum type="arabicPeriod"/>
             </a:pPr>
@@ -3955,7 +3776,7 @@
             </a:r>
           </a:p>
           <a:p>
-            <a:pPr marL="514350" indent="-514350">
+            <a:pPr marL="514350" indent="-514350" algn="just">
               <a:buFont typeface="+mj-lt"/>
               <a:buAutoNum type="arabicPeriod"/>
             </a:pPr>
@@ -3967,7 +3788,6 @@
               <a:rPr lang="en-US" dirty="0"/>
               <a:t>, through the power electronics converter.</a:t>
             </a:r>
-            <a:endParaRPr lang="en-US" dirty="0"/>
           </a:p>
         </p:txBody>
       </p:sp>
@@ -3979,16 +3799,15 @@
           </p:cNvPicPr>
           <p:nvPr/>
         </p:nvPicPr>
-        <p:blipFill>
+        <p:blipFill rotWithShape="1">
           <a:blip r:embed="rId2"/>
-          <a:stretch>
-            <a:fillRect/>
-          </a:stretch>
+          <a:srcRect r="3180"/>
+          <a:stretch/>
         </p:blipFill>
         <p:spPr>
           <a:xfrm>
-            <a:off x="5559410" y="2360906"/>
-            <a:ext cx="6535607" cy="2761524"/>
+            <a:off x="5711811" y="2360906"/>
+            <a:ext cx="6327790" cy="2761524"/>
           </a:xfrm>
           <a:prstGeom prst="rect">
             <a:avLst/>
@@ -4060,8 +3879,8 @@
           </a:p>
         </p:txBody>
       </p:sp>
-      <mc:AlternateContent xmlns:mc="http://schemas.openxmlformats.org/markup-compatibility/2006">
-        <mc:Choice xmlns:a14="http://schemas.microsoft.com/office/drawing/2010/main" Requires="a14">
+      <mc:AlternateContent xmlns:mc="http://schemas.openxmlformats.org/markup-compatibility/2006" xmlns:a14="http://schemas.microsoft.com/office/drawing/2010/main">
+        <mc:Choice Requires="a14">
           <p:sp>
             <p:nvSpPr>
               <p:cNvPr id="3" name="Content Placeholder 2"/>
@@ -4089,11 +3908,7 @@
                 </a:pPr>
                 <a:r>
                   <a:rPr lang="en-US" sz="2400" dirty="0" smtClean="0"/>
-                  <a:t>The Site Wind Speed can be modeled by Weibull distribution. The Average </a:t>
-                </a:r>
-                <a:r>
-                  <a:rPr lang="en-US" sz="2400" dirty="0" smtClean="0"/>
-                  <a:t>Wind Speed </a:t>
+                  <a:t>The Site Wind Speed can be modeled by Weibull distribution. The Average Wind Speed </a:t>
                 </a:r>
                 <a14:m>
                   <m:oMath xmlns:m="http://schemas.openxmlformats.org/officeDocument/2006/math">
@@ -4243,7 +4058,7 @@
             </p:txBody>
           </p:sp>
         </mc:Choice>
-        <mc:Fallback>
+        <mc:Fallback xmlns="">
           <p:sp>
             <p:nvSpPr>
               <p:cNvPr id="3" name="Content Placeholder 2"/>
@@ -4397,8 +4212,8 @@
           </a:p>
         </p:txBody>
       </p:sp>
-      <mc:AlternateContent xmlns:mc="http://schemas.openxmlformats.org/markup-compatibility/2006">
-        <mc:Choice xmlns:a14="http://schemas.microsoft.com/office/drawing/2010/main" Requires="a14">
+      <mc:AlternateContent xmlns:mc="http://schemas.openxmlformats.org/markup-compatibility/2006" xmlns:a14="http://schemas.microsoft.com/office/drawing/2010/main">
+        <mc:Choice Requires="a14">
           <p:sp>
             <p:nvSpPr>
               <p:cNvPr id="3" name="Content Placeholder 2"/>
@@ -5031,7 +4846,7 @@
             </p:txBody>
           </p:sp>
         </mc:Choice>
-        <mc:Fallback>
+        <mc:Fallback xmlns="">
           <p:sp>
             <p:nvSpPr>
               <p:cNvPr id="3" name="Content Placeholder 2"/>
@@ -5184,13 +4999,8 @@
             </a:pPr>
             <a:r>
               <a:rPr lang="en-US" dirty="0" smtClean="0"/>
-              <a:t>Horizontal Axis Wind Turbine Energy Conversion </a:t>
-            </a:r>
-            <a:r>
-              <a:rPr lang="en-US" dirty="0" smtClean="0"/>
-              <a:t>Chain consists of:</a:t>
-            </a:r>
-            <a:endParaRPr lang="en-US" dirty="0" smtClean="0"/>
+              <a:t>Horizontal Axis Wind Turbine Energy Conversion Chain consists of:</a:t>
+            </a:r>
           </a:p>
           <a:p>
             <a:pPr marL="514350" indent="-514350">
@@ -5369,12 +5179,12 @@
             <p:spPr>
               <a:xfrm>
                 <a:off x="838200" y="1825625"/>
-                <a:ext cx="6712527" cy="4351338"/>
+                <a:ext cx="6712527" cy="4913548"/>
               </a:xfrm>
             </p:spPr>
             <p:txBody>
               <a:bodyPr>
-                <a:normAutofit fontScale="92500" lnSpcReduction="10000"/>
+                <a:normAutofit fontScale="92500"/>
               </a:bodyPr>
               <a:lstStyle/>
               <a:p>
@@ -5383,15 +5193,7 @@
                 </a:pPr>
                 <a:r>
                   <a:rPr lang="en-US" dirty="0" smtClean="0"/>
-                  <a:t>The Power </a:t>
-                </a:r>
-                <a:r>
-                  <a:rPr lang="en-US" dirty="0" smtClean="0"/>
-                  <a:t>extracted </a:t>
-                </a:r>
-                <a:r>
-                  <a:rPr lang="en-US" dirty="0" smtClean="0"/>
-                  <a:t>from air mass </a:t>
+                  <a:t>The Power extracted from air mass </a:t>
                 </a:r>
                 <a14:m>
                   <m:oMath xmlns:m="http://schemas.openxmlformats.org/officeDocument/2006/math">
@@ -5462,11 +5264,7 @@
                 </a14:m>
                 <a:r>
                   <a:rPr lang="en-US" dirty="0" smtClean="0"/>
-                  <a:t>by </a:t>
-                </a:r>
-                <a:r>
-                  <a:rPr lang="en-US" dirty="0" smtClean="0"/>
-                  <a:t>Energy </a:t>
+                  <a:t>by Energy </a:t>
                 </a:r>
                 <a:r>
                   <a:rPr lang="en-US" dirty="0"/>
@@ -5474,13 +5272,8 @@
                 </a:r>
                 <a:r>
                   <a:rPr lang="en-US" dirty="0" smtClean="0"/>
-                  <a:t>xtracting Actuator </a:t>
+                  <a:t>xtracting Actuator Disc is:</a:t>
                 </a:r>
-                <a:r>
-                  <a:rPr lang="en-US" dirty="0" smtClean="0"/>
-                  <a:t>Disc is:</a:t>
-                </a:r>
-                <a:endParaRPr lang="en-US" dirty="0" smtClean="0"/>
               </a:p>
               <a:p>
                 <a:pPr marL="0" indent="0">
@@ -5851,11 +5644,7 @@
                 </a:pPr>
                 <a:r>
                   <a:rPr lang="en-US" dirty="0" smtClean="0"/>
-                  <a:t>Where Power </a:t>
-                </a:r>
-                <a:r>
-                  <a:rPr lang="en-US" dirty="0" smtClean="0"/>
-                  <a:t>Coefficient </a:t>
+                  <a:t>Where Power Coefficient </a:t>
                 </a:r>
                 <a:r>
                   <a:rPr lang="en-US" dirty="0" err="1" smtClean="0"/>
@@ -5869,7 +5658,6 @@
                   <a:rPr lang="en-US" sz="2400" dirty="0" smtClean="0"/>
                   <a:t> is:</a:t>
                 </a:r>
-                <a:endParaRPr lang="en-US" sz="2400" dirty="0" smtClean="0"/>
               </a:p>
               <a:p>
                 <a:pPr marL="0" indent="0">
@@ -6069,6 +5857,20 @@
                     </m:oMath>
                   </m:oMathPara>
                 </a14:m>
+                <a:endParaRPr lang="en-US" dirty="0" smtClean="0"/>
+              </a:p>
+              <a:p>
+                <a:pPr marL="0" indent="0">
+                  <a:buNone/>
+                </a:pPr>
+                <a:r>
+                  <a:rPr lang="en-US" dirty="0" smtClean="0"/>
+                  <a:t>Example: Kite</a:t>
+                </a:r>
+                <a:r>
+                  <a:rPr lang="en-US" dirty="0"/>
+                  <a:t>.</a:t>
+                </a:r>
                 <a:endParaRPr lang="en-US" dirty="0"/>
               </a:p>
             </p:txBody>
@@ -6088,12 +5890,12 @@
             <p:spPr>
               <a:xfrm>
                 <a:off x="838200" y="1825625"/>
-                <a:ext cx="6712527" cy="4351338"/>
+                <a:ext cx="6712527" cy="4913548"/>
               </a:xfrm>
               <a:blipFill>
                 <a:blip r:embed="rId2"/>
                 <a:stretch>
-                  <a:fillRect l="-1635" t="-2801"/>
+                  <a:fillRect l="-1635" t="-1859" b="-2478"/>
                 </a:stretch>
               </a:blipFill>
             </p:spPr>
@@ -6247,8 +6049,8 @@
           </a:p>
         </p:txBody>
       </p:sp>
-      <mc:AlternateContent xmlns:mc="http://schemas.openxmlformats.org/markup-compatibility/2006">
-        <mc:Choice xmlns:a14="http://schemas.microsoft.com/office/drawing/2010/main" Requires="a14">
+      <mc:AlternateContent xmlns:mc="http://schemas.openxmlformats.org/markup-compatibility/2006" xmlns:a14="http://schemas.microsoft.com/office/drawing/2010/main">
+        <mc:Choice Requires="a14">
           <p:sp>
             <p:nvSpPr>
               <p:cNvPr id="3" name="Content Placeholder 2"/>
@@ -6274,11 +6076,7 @@
                 </a:pPr>
                 <a:r>
                   <a:rPr lang="en-US" dirty="0" smtClean="0"/>
-                  <a:t>Tip </a:t>
-                </a:r>
-                <a:r>
-                  <a:rPr lang="en-US" dirty="0" smtClean="0"/>
-                  <a:t>Speed Ratio </a:t>
+                  <a:t>Tip Speed Ratio </a:t>
                 </a:r>
                 <a:r>
                   <a:rPr lang="el-GR" dirty="0" smtClean="0"/>
@@ -6288,7 +6086,6 @@
                   <a:rPr lang="en-US" dirty="0" smtClean="0"/>
                   <a:t> is:</a:t>
                 </a:r>
-                <a:endParaRPr lang="en-US" dirty="0" smtClean="0"/>
               </a:p>
               <a:p>
                 <a:endParaRPr lang="en-US" dirty="0" smtClean="0"/>
@@ -6434,15 +6231,7 @@
                 </a:r>
                 <a:r>
                   <a:rPr lang="en-US" dirty="0" smtClean="0"/>
-                  <a:t>curve shows that the </a:t>
-                </a:r>
-                <a:r>
-                  <a:rPr lang="en-US" dirty="0" smtClean="0"/>
-                  <a:t>Maximum </a:t>
-                </a:r>
-                <a:r>
-                  <a:rPr lang="en-US" dirty="0" smtClean="0"/>
-                  <a:t>value of </a:t>
+                  <a:t>curve shows that the Maximum value of </a:t>
                 </a:r>
                 <a:r>
                   <a:rPr lang="en-US" dirty="0" err="1" smtClean="0"/>
@@ -6458,11 +6247,7 @@
                 </a:r>
                 <a:r>
                   <a:rPr lang="en-US" dirty="0" smtClean="0"/>
-                  <a:t>occurs </a:t>
-                </a:r>
-                <a:r>
-                  <a:rPr lang="en-US" dirty="0" smtClean="0"/>
-                  <a:t>at</a:t>
+                  <a:t>occurs at</a:t>
                 </a:r>
                 <a14:m>
                   <m:oMath xmlns:m="http://schemas.openxmlformats.org/officeDocument/2006/math">
@@ -6505,11 +6290,7 @@
                 </a14:m>
                 <a:r>
                   <a:rPr lang="en-US" dirty="0" smtClean="0"/>
-                  <a:t>. </a:t>
-                </a:r>
-                <a:r>
-                  <a:rPr lang="en-US" dirty="0" smtClean="0"/>
-                  <a:t>It is lower than the Betz </a:t>
+                  <a:t>. It is lower than the Betz </a:t>
                 </a:r>
                 <a:r>
                   <a:rPr lang="en-US" dirty="0"/>
@@ -6529,18 +6310,14 @@
                 </a:r>
                 <a:r>
                   <a:rPr lang="en-US" dirty="0" smtClean="0"/>
-                  <a:t>= 0.59</a:t>
-                </a:r>
-                <a:r>
-                  <a:rPr lang="en-US" dirty="0" smtClean="0"/>
-                  <a:t>).</a:t>
+                  <a:t>= 0.59).</a:t>
                 </a:r>
                 <a:endParaRPr lang="en-US" dirty="0"/>
               </a:p>
             </p:txBody>
           </p:sp>
         </mc:Choice>
-        <mc:Fallback>
+        <mc:Fallback xmlns="">
           <p:sp>
             <p:nvSpPr>
               <p:cNvPr id="3" name="Content Placeholder 2"/>
@@ -6654,85 +6431,6 @@
             <p:ph type="title"/>
           </p:nvPr>
         </p:nvSpPr>
-        <p:spPr/>
-        <p:txBody>
-          <a:bodyPr/>
-          <a:lstStyle/>
-          <a:p>
-            <a:r>
-              <a:rPr lang="en-US" dirty="0" smtClean="0"/>
-              <a:t>Drive Train</a:t>
-            </a:r>
-            <a:endParaRPr lang="en-US" dirty="0"/>
-          </a:p>
-        </p:txBody>
-      </p:sp>
-      <p:sp>
-        <p:nvSpPr>
-          <p:cNvPr id="3" name="Content Placeholder 2"/>
-          <p:cNvSpPr>
-            <a:spLocks noGrp="1"/>
-          </p:cNvSpPr>
-          <p:nvPr>
-            <p:ph idx="1"/>
-          </p:nvPr>
-        </p:nvSpPr>
-        <p:spPr/>
-        <p:txBody>
-          <a:bodyPr/>
-          <a:lstStyle/>
-          <a:p>
-            <a:endParaRPr lang="en-US"/>
-          </a:p>
-        </p:txBody>
-      </p:sp>
-    </p:spTree>
-    <p:extLst>
-      <p:ext uri="{BB962C8B-B14F-4D97-AF65-F5344CB8AC3E}">
-        <p14:creationId xmlns:p14="http://schemas.microsoft.com/office/powerpoint/2010/main" val="770350001"/>
-      </p:ext>
-    </p:extLst>
-  </p:cSld>
-  <p:clrMapOvr>
-    <a:masterClrMapping/>
-  </p:clrMapOvr>
-  <p:timing>
-    <p:tnLst>
-      <p:par>
-        <p:cTn id="1" dur="indefinite" restart="never" nodeType="tmRoot"/>
-      </p:par>
-    </p:tnLst>
-  </p:timing>
-</p:sld>
-</file>
-
-<file path=ppt/slides/slide8.xml><?xml version="1.0" encoding="utf-8"?>
-<p:sld xmlns:a="http://schemas.openxmlformats.org/drawingml/2006/main" xmlns:r="http://schemas.openxmlformats.org/officeDocument/2006/relationships" xmlns:p="http://schemas.openxmlformats.org/presentationml/2006/main">
-  <p:cSld>
-    <p:spTree>
-      <p:nvGrpSpPr>
-        <p:cNvPr id="1" name=""/>
-        <p:cNvGrpSpPr/>
-        <p:nvPr/>
-      </p:nvGrpSpPr>
-      <p:grpSpPr>
-        <a:xfrm>
-          <a:off x="0" y="0"/>
-          <a:ext cx="0" cy="0"/>
-          <a:chOff x="0" y="0"/>
-          <a:chExt cx="0" cy="0"/>
-        </a:xfrm>
-      </p:grpSpPr>
-      <p:sp>
-        <p:nvSpPr>
-          <p:cNvPr id="2" name="Title 1"/>
-          <p:cNvSpPr>
-            <a:spLocks noGrp="1"/>
-          </p:cNvSpPr>
-          <p:nvPr>
-            <p:ph type="title"/>
-          </p:nvPr>
-        </p:nvSpPr>
         <p:spPr>
           <a:xfrm>
             <a:off x="838200" y="365125"/>
@@ -6786,13 +6484,8 @@
             </a:pPr>
             <a:r>
               <a:rPr lang="en-US" dirty="0" smtClean="0"/>
-              <a:t>General structure of a fixed-speed WECS </a:t>
-            </a:r>
-            <a:r>
-              <a:rPr lang="en-US" dirty="0" smtClean="0"/>
-              <a:t>(Squirrel Cage Induction Generator)</a:t>
-            </a:r>
-            <a:endParaRPr lang="en-US" dirty="0" smtClean="0"/>
+              <a:t>General structure of a fixed-speed WECS (Squirrel Cage Induction Generator)</a:t>
+            </a:r>
           </a:p>
           <a:p>
             <a:pPr marL="514350" indent="-514350">
@@ -6801,11 +6494,7 @@
             </a:pPr>
             <a:r>
               <a:rPr lang="en-US" dirty="0" smtClean="0"/>
-              <a:t>General structure of a limited variable-speed WECS </a:t>
-            </a:r>
-            <a:r>
-              <a:rPr lang="en-US" dirty="0" smtClean="0"/>
-              <a:t>(Wound Rotor </a:t>
+              <a:t>General structure of a limited variable-speed WECS (Wound Rotor </a:t>
             </a:r>
             <a:r>
               <a:rPr lang="en-US" dirty="0"/>
@@ -6893,7 +6582,7 @@
 </p:sld>
 </file>
 
-<file path=ppt/slides/slide9.xml><?xml version="1.0" encoding="utf-8"?>
+<file path=ppt/slides/slide8.xml><?xml version="1.0" encoding="utf-8"?>
 <p:sld xmlns:a="http://schemas.openxmlformats.org/drawingml/2006/main" xmlns:r="http://schemas.openxmlformats.org/officeDocument/2006/relationships" xmlns:p="http://schemas.openxmlformats.org/presentationml/2006/main">
   <p:cSld>
     <p:spTree>
@@ -6973,11 +6662,7 @@
             </a:pPr>
             <a:r>
               <a:rPr lang="en-US" dirty="0" smtClean="0"/>
-              <a:t>General structure of an improved variable-speed WECS </a:t>
-            </a:r>
-            <a:r>
-              <a:rPr lang="en-US" dirty="0" smtClean="0"/>
-              <a:t>(Doubly Fed </a:t>
+              <a:t>General structure of an improved variable-speed WECS (Doubly Fed </a:t>
             </a:r>
             <a:r>
               <a:rPr lang="en-US" dirty="0"/>
@@ -7076,6 +6761,183 @@
     <p:extLst>
       <p:ext uri="{BB962C8B-B14F-4D97-AF65-F5344CB8AC3E}">
         <p14:creationId xmlns:p14="http://schemas.microsoft.com/office/powerpoint/2010/main" val="1497493673"/>
+      </p:ext>
+    </p:extLst>
+  </p:cSld>
+  <p:clrMapOvr>
+    <a:masterClrMapping/>
+  </p:clrMapOvr>
+  <p:timing>
+    <p:tnLst>
+      <p:par>
+        <p:cTn id="1" dur="indefinite" restart="never" nodeType="tmRoot"/>
+      </p:par>
+    </p:tnLst>
+  </p:timing>
+</p:sld>
+</file>
+
+<file path=ppt/slides/slide9.xml><?xml version="1.0" encoding="utf-8"?>
+<p:sld xmlns:a="http://schemas.openxmlformats.org/drawingml/2006/main" xmlns:r="http://schemas.openxmlformats.org/officeDocument/2006/relationships" xmlns:p="http://schemas.openxmlformats.org/presentationml/2006/main">
+  <p:cSld>
+    <p:spTree>
+      <p:nvGrpSpPr>
+        <p:cNvPr id="1" name=""/>
+        <p:cNvGrpSpPr/>
+        <p:nvPr/>
+      </p:nvGrpSpPr>
+      <p:grpSpPr>
+        <a:xfrm>
+          <a:off x="0" y="0"/>
+          <a:ext cx="0" cy="0"/>
+          <a:chOff x="0" y="0"/>
+          <a:chExt cx="0" cy="0"/>
+        </a:xfrm>
+      </p:grpSpPr>
+      <p:sp>
+        <p:nvSpPr>
+          <p:cNvPr id="2" name="Title 1"/>
+          <p:cNvSpPr>
+            <a:spLocks noGrp="1"/>
+          </p:cNvSpPr>
+          <p:nvPr>
+            <p:ph type="title"/>
+          </p:nvPr>
+        </p:nvSpPr>
+        <p:spPr>
+          <a:xfrm>
+            <a:off x="838200" y="365125"/>
+            <a:ext cx="9871364" cy="1325563"/>
+          </a:xfrm>
+        </p:spPr>
+        <p:txBody>
+          <a:bodyPr/>
+          <a:lstStyle/>
+          <a:p>
+            <a:r>
+              <a:rPr lang="en-US" dirty="0" smtClean="0"/>
+              <a:t>Wind Turbine Generators in Hybrid Power Systems</a:t>
+            </a:r>
+            <a:endParaRPr lang="en-US" dirty="0"/>
+          </a:p>
+        </p:txBody>
+      </p:sp>
+      <p:sp>
+        <p:nvSpPr>
+          <p:cNvPr id="3" name="Content Placeholder 2"/>
+          <p:cNvSpPr>
+            <a:spLocks noGrp="1"/>
+          </p:cNvSpPr>
+          <p:nvPr>
+            <p:ph idx="1"/>
+          </p:nvPr>
+        </p:nvSpPr>
+        <p:spPr>
+          <a:xfrm>
+            <a:off x="838201" y="1825625"/>
+            <a:ext cx="4800600" cy="4351338"/>
+          </a:xfrm>
+        </p:spPr>
+        <p:txBody>
+          <a:bodyPr>
+            <a:normAutofit lnSpcReduction="10000"/>
+          </a:bodyPr>
+          <a:lstStyle/>
+          <a:p>
+            <a:pPr marL="0" indent="0">
+              <a:buNone/>
+            </a:pPr>
+            <a:r>
+              <a:rPr lang="en-US" dirty="0" smtClean="0"/>
+              <a:t>AC-coupled hybrid generation system:</a:t>
+            </a:r>
+          </a:p>
+          <a:p>
+            <a:pPr marL="514350" indent="-514350">
+              <a:buFont typeface="+mj-lt"/>
+              <a:buAutoNum type="arabicPeriod"/>
+            </a:pPr>
+            <a:r>
+              <a:rPr lang="en-US" dirty="0" smtClean="0"/>
+              <a:t>Generators (Wind Turbine Generator, Diesel Power Plant)</a:t>
+            </a:r>
+          </a:p>
+          <a:p>
+            <a:pPr marL="514350" indent="-514350">
+              <a:buFont typeface="+mj-lt"/>
+              <a:buAutoNum type="arabicPeriod"/>
+            </a:pPr>
+            <a:r>
+              <a:rPr lang="en-US" dirty="0" smtClean="0"/>
+              <a:t>AC Bus</a:t>
+            </a:r>
+          </a:p>
+          <a:p>
+            <a:pPr marL="514350" indent="-514350">
+              <a:buFont typeface="+mj-lt"/>
+              <a:buAutoNum type="arabicPeriod"/>
+            </a:pPr>
+            <a:r>
+              <a:rPr lang="en-US" dirty="0" smtClean="0"/>
+              <a:t>Energy Storage (Accumulator, Flywheel)</a:t>
+            </a:r>
+          </a:p>
+          <a:p>
+            <a:pPr marL="514350" indent="-514350">
+              <a:buFont typeface="+mj-lt"/>
+              <a:buAutoNum type="arabicPeriod"/>
+            </a:pPr>
+            <a:r>
+              <a:rPr lang="en-US" dirty="0" smtClean="0"/>
+              <a:t>Loads</a:t>
+            </a:r>
+          </a:p>
+          <a:p>
+            <a:pPr marL="514350" indent="-514350">
+              <a:buFont typeface="+mj-lt"/>
+              <a:buAutoNum type="arabicPeriod"/>
+            </a:pPr>
+            <a:r>
+              <a:rPr lang="en-US" dirty="0" smtClean="0"/>
+              <a:t>Control System</a:t>
+            </a:r>
+            <a:endParaRPr lang="en-US" dirty="0"/>
+          </a:p>
+        </p:txBody>
+      </p:sp>
+      <p:pic>
+        <p:nvPicPr>
+          <p:cNvPr id="4" name="Picture 3"/>
+          <p:cNvPicPr>
+            <a:picLocks noChangeAspect="1"/>
+          </p:cNvPicPr>
+          <p:nvPr/>
+        </p:nvPicPr>
+        <p:blipFill>
+          <a:blip r:embed="rId2"/>
+          <a:stretch>
+            <a:fillRect/>
+          </a:stretch>
+        </p:blipFill>
+        <p:spPr>
+          <a:xfrm>
+            <a:off x="5773882" y="1027906"/>
+            <a:ext cx="6315075" cy="5591175"/>
+          </a:xfrm>
+          <a:prstGeom prst="rect">
+            <a:avLst/>
+          </a:prstGeom>
+          <a:ln>
+            <a:solidFill>
+              <a:schemeClr val="tx1"/>
+            </a:solidFill>
+          </a:ln>
+        </p:spPr>
+      </p:pic>
+    </p:spTree>
+    <p:extLst>
+      <p:ext uri="{BB962C8B-B14F-4D97-AF65-F5344CB8AC3E}">
+        <p14:creationId xmlns:p14="http://schemas.microsoft.com/office/powerpoint/2010/main" val="770639808"/>
       </p:ext>
     </p:extLst>
   </p:cSld>
